--- a/2Output/1presentation/基于姿态的模拟手写笔第一次需求澄清.pptx
+++ b/2Output/1presentation/基于姿态的模拟手写笔第一次需求澄清.pptx
@@ -5,16 +5,16 @@
     <p:sldMasterId id="2147483648" r:id="rId1"/>
   </p:sldMasterIdLst>
   <p:notesMasterIdLst>
-    <p:notesMasterId r:id="rId6"/>
+    <p:notesMasterId r:id="rId4"/>
   </p:notesMasterIdLst>
   <p:handoutMasterIdLst>
-    <p:handoutMasterId r:id="rId7"/>
+    <p:handoutMasterId r:id="rId8"/>
   </p:handoutMasterIdLst>
   <p:sldIdLst>
-    <p:sldId id="276" r:id="rId2"/>
-    <p:sldId id="459" r:id="rId3"/>
-    <p:sldId id="468" r:id="rId4"/>
-    <p:sldId id="297" r:id="rId5"/>
+    <p:sldId id="276" r:id="rId3"/>
+    <p:sldId id="459" r:id="rId5"/>
+    <p:sldId id="468" r:id="rId6"/>
+    <p:sldId id="297" r:id="rId7"/>
   </p:sldIdLst>
   <p:sldSz cx="12192000" cy="6858000"/>
   <p:notesSz cx="6858000" cy="9144000"/>
@@ -143,25 +143,6 @@
       </a:defRPr>
     </a:lvl9pPr>
   </p:defaultTextStyle>
-  <p:extLst>
-    <p:ext uri="{EFAFB233-063F-42B5-8137-9DF3F51BA10A}">
-      <p15:sldGuideLst xmlns:p15="http://schemas.microsoft.com/office/powerpoint/2012/main">
-        <p15:guide id="1" orient="horz" pos="2275">
-          <p15:clr>
-            <a:srgbClr val="A4A3A4"/>
-          </p15:clr>
-        </p15:guide>
-        <p15:guide id="2" pos="3807">
-          <p15:clr>
-            <a:srgbClr val="A4A3A4"/>
-          </p15:clr>
-        </p15:guide>
-      </p15:sldGuideLst>
-    </p:ext>
-    <p:ext uri="{2D200454-40CA-4A62-9FC3-DE9A4176ACB9}">
-      <p15:notesGuideLst xmlns:p15="http://schemas.microsoft.com/office/powerpoint/2012/main"/>
-    </p:ext>
-  </p:extLst>
 </p:presentation>
 </file>
 
@@ -191,7 +172,7 @@
         <p:nvSpPr>
           <p:cNvPr id="2" name="页眉占位符 1"/>
           <p:cNvSpPr>
-            <a:spLocks noGrp="1"/>
+            <a:spLocks noGrp="true"/>
           </p:cNvSpPr>
           <p:nvPr>
             <p:ph type="hdr" sz="quarter"/>
@@ -222,7 +203,7 @@
         <p:nvSpPr>
           <p:cNvPr id="3" name="日期占位符 2"/>
           <p:cNvSpPr>
-            <a:spLocks noGrp="1"/>
+            <a:spLocks noGrp="true"/>
           </p:cNvSpPr>
           <p:nvPr>
             <p:ph type="dt" sz="quarter" idx="1"/>
@@ -247,7 +228,6 @@
           <a:p>
             <a:fld id="{649C869B-4E6D-4609-9A47-34E4B8558683}" type="datetimeFigureOut">
               <a:rPr lang="zh-CN" altLang="en-US" smtClean="0"/>
-              <a:t>2020/11/26</a:t>
             </a:fld>
             <a:endParaRPr lang="zh-CN" altLang="en-US"/>
           </a:p>
@@ -257,7 +237,7 @@
         <p:nvSpPr>
           <p:cNvPr id="4" name="页脚占位符 3"/>
           <p:cNvSpPr>
-            <a:spLocks noGrp="1"/>
+            <a:spLocks noGrp="true"/>
           </p:cNvSpPr>
           <p:nvPr>
             <p:ph type="ftr" sz="quarter" idx="2"/>
@@ -288,7 +268,7 @@
         <p:nvSpPr>
           <p:cNvPr id="5" name="灯片编号占位符 4"/>
           <p:cNvSpPr>
-            <a:spLocks noGrp="1"/>
+            <a:spLocks noGrp="true"/>
           </p:cNvSpPr>
           <p:nvPr>
             <p:ph type="sldNum" sz="quarter" idx="3"/>
@@ -313,7 +293,6 @@
           <a:p>
             <a:fld id="{7393F875-6694-48BD-B4E6-D937FF28601D}" type="slidenum">
               <a:rPr lang="zh-CN" altLang="en-US" smtClean="0"/>
-              <a:t>‹#›</a:t>
             </a:fld>
             <a:endParaRPr lang="zh-CN" altLang="en-US"/>
           </a:p>
@@ -354,7 +333,7 @@
         <p:nvSpPr>
           <p:cNvPr id="2" name="页眉占位符 1"/>
           <p:cNvSpPr>
-            <a:spLocks noGrp="1"/>
+            <a:spLocks noGrp="true"/>
           </p:cNvSpPr>
           <p:nvPr>
             <p:ph type="hdr" sz="quarter"/>
@@ -390,7 +369,7 @@
         <p:nvSpPr>
           <p:cNvPr id="3" name="日期占位符 2"/>
           <p:cNvSpPr>
-            <a:spLocks noGrp="1"/>
+            <a:spLocks noGrp="true"/>
           </p:cNvSpPr>
           <p:nvPr>
             <p:ph type="dt" idx="1"/>
@@ -420,7 +399,6 @@
             </a:pPr>
             <a:fld id="{81F3FE1F-B908-452B-837C-D2E471D1D39B}" type="datetimeFigureOut">
               <a:rPr lang="zh-CN" altLang="en-US"/>
-              <a:t>2020/11/26</a:t>
             </a:fld>
             <a:endParaRPr lang="zh-CN" altLang="en-US"/>
           </a:p>
@@ -430,7 +408,7 @@
         <p:nvSpPr>
           <p:cNvPr id="4" name="幻灯片图像占位符 3"/>
           <p:cNvSpPr>
-            <a:spLocks noGrp="1" noRot="1" noChangeAspect="1"/>
+            <a:spLocks noGrp="true" noRot="true" noChangeAspect="true"/>
           </p:cNvSpPr>
           <p:nvPr>
             <p:ph type="sldImg" idx="2"/>
@@ -464,7 +442,7 @@
         <p:nvSpPr>
           <p:cNvPr id="5" name="备注占位符 4"/>
           <p:cNvSpPr>
-            <a:spLocks noGrp="1"/>
+            <a:spLocks noGrp="true"/>
           </p:cNvSpPr>
           <p:nvPr>
             <p:ph type="body" sz="quarter" idx="3"/>
@@ -480,7 +458,7 @@
           </a:prstGeom>
         </p:spPr>
         <p:txBody>
-          <a:bodyPr vert="horz" wrap="square" lIns="91440" tIns="45720" rIns="91440" bIns="45720" numCol="1" anchor="t" anchorCtr="0" compatLnSpc="1">
+          <a:bodyPr vert="horz" wrap="square" lIns="91440" tIns="45720" rIns="91440" bIns="45720" numCol="1" anchor="t" anchorCtr="false" compatLnSpc="true">
             <a:normAutofit/>
           </a:bodyPr>
           <a:lstStyle/>
@@ -490,6 +468,7 @@
               <a:rPr lang="zh-CN" altLang="en-US" noProof="0"/>
               <a:t>单击此处编辑母版文本样式</a:t>
             </a:r>
+            <a:endParaRPr lang="zh-CN" altLang="en-US" noProof="0"/>
           </a:p>
           <a:p>
             <a:pPr lvl="1"/>
@@ -497,6 +476,7 @@
               <a:rPr lang="zh-CN" altLang="en-US" noProof="0"/>
               <a:t>第二级</a:t>
             </a:r>
+            <a:endParaRPr lang="zh-CN" altLang="en-US" noProof="0"/>
           </a:p>
           <a:p>
             <a:pPr lvl="2"/>
@@ -504,6 +484,7 @@
               <a:rPr lang="zh-CN" altLang="en-US" noProof="0"/>
               <a:t>第三级</a:t>
             </a:r>
+            <a:endParaRPr lang="zh-CN" altLang="en-US" noProof="0"/>
           </a:p>
           <a:p>
             <a:pPr lvl="3"/>
@@ -511,6 +492,7 @@
               <a:rPr lang="zh-CN" altLang="en-US" noProof="0"/>
               <a:t>第四级</a:t>
             </a:r>
+            <a:endParaRPr lang="zh-CN" altLang="en-US" noProof="0"/>
           </a:p>
           <a:p>
             <a:pPr lvl="4"/>
@@ -518,6 +500,7 @@
               <a:rPr lang="zh-CN" altLang="en-US" noProof="0"/>
               <a:t>第五级</a:t>
             </a:r>
+            <a:endParaRPr lang="zh-CN" altLang="en-US" noProof="0"/>
           </a:p>
         </p:txBody>
       </p:sp>
@@ -525,7 +508,7 @@
         <p:nvSpPr>
           <p:cNvPr id="6" name="页脚占位符 5"/>
           <p:cNvSpPr>
-            <a:spLocks noGrp="1"/>
+            <a:spLocks noGrp="true"/>
           </p:cNvSpPr>
           <p:nvPr>
             <p:ph type="ftr" sz="quarter" idx="4"/>
@@ -561,7 +544,7 @@
         <p:nvSpPr>
           <p:cNvPr id="7" name="灯片编号占位符 6"/>
           <p:cNvSpPr>
-            <a:spLocks noGrp="1"/>
+            <a:spLocks noGrp="true"/>
           </p:cNvSpPr>
           <p:nvPr>
             <p:ph type="sldNum" sz="quarter" idx="5"/>
@@ -577,7 +560,7 @@
           </a:prstGeom>
         </p:spPr>
         <p:txBody>
-          <a:bodyPr vert="horz" wrap="square" lIns="91440" tIns="45720" rIns="91440" bIns="45720" numCol="1" anchor="b" anchorCtr="0" compatLnSpc="1"/>
+          <a:bodyPr vert="horz" wrap="square" lIns="91440" tIns="45720" rIns="91440" bIns="45720" numCol="1" anchor="b" anchorCtr="false" compatLnSpc="true"/>
           <a:lstStyle>
             <a:lvl1pPr algn="r" eaLnBrk="1" hangingPunct="1">
               <a:defRPr sz="1200"/>
@@ -589,7 +572,6 @@
             </a:pPr>
             <a:fld id="{FEC2B89F-BA4A-4623-90A0-F95E4926B701}" type="slidenum">
               <a:rPr lang="zh-CN" altLang="en-US"/>
-              <a:t>‹#›</a:t>
             </a:fld>
             <a:endParaRPr lang="zh-CN" altLang="en-US"/>
           </a:p>
@@ -744,7 +726,7 @@
         <p:nvSpPr>
           <p:cNvPr id="2" name="幻灯片图像占位符 1"/>
           <p:cNvSpPr>
-            <a:spLocks noGrp="1" noRot="1" noChangeAspect="1"/>
+            <a:spLocks noGrp="true" noRot="true" noChangeAspect="true"/>
           </p:cNvSpPr>
           <p:nvPr>
             <p:ph type="sldImg"/>
@@ -756,7 +738,7 @@
         <p:nvSpPr>
           <p:cNvPr id="3" name="备注占位符 2"/>
           <p:cNvSpPr>
-            <a:spLocks noGrp="1"/>
+            <a:spLocks noGrp="true"/>
           </p:cNvSpPr>
           <p:nvPr>
             <p:ph type="body" idx="1"/>
@@ -775,7 +757,7 @@
         <p:nvSpPr>
           <p:cNvPr id="4" name="灯片编号占位符 3"/>
           <p:cNvSpPr>
-            <a:spLocks noGrp="1"/>
+            <a:spLocks noGrp="true"/>
           </p:cNvSpPr>
           <p:nvPr>
             <p:ph type="sldNum" sz="quarter" idx="10"/>
@@ -791,7 +773,6 @@
             </a:pPr>
             <a:fld id="{FEC2B89F-BA4A-4623-90A0-F95E4926B701}" type="slidenum">
               <a:rPr lang="zh-CN" altLang="en-US" smtClean="0"/>
-              <a:t>1</a:t>
             </a:fld>
             <a:endParaRPr lang="zh-CN" altLang="en-US"/>
           </a:p>
@@ -826,7 +807,7 @@
         <p:nvSpPr>
           <p:cNvPr id="2" name="幻灯片图像占位符 1"/>
           <p:cNvSpPr>
-            <a:spLocks noGrp="1" noRot="1" noChangeAspect="1"/>
+            <a:spLocks noGrp="true" noRot="true" noChangeAspect="true"/>
           </p:cNvSpPr>
           <p:nvPr>
             <p:ph type="sldImg"/>
@@ -838,7 +819,7 @@
         <p:nvSpPr>
           <p:cNvPr id="3" name="备注占位符 2"/>
           <p:cNvSpPr>
-            <a:spLocks noGrp="1"/>
+            <a:spLocks noGrp="true"/>
           </p:cNvSpPr>
           <p:nvPr>
             <p:ph type="body" idx="1"/>
@@ -860,7 +841,7 @@
         <p:nvSpPr>
           <p:cNvPr id="4" name="灯片编号占位符 3"/>
           <p:cNvSpPr>
-            <a:spLocks noGrp="1"/>
+            <a:spLocks noGrp="true"/>
           </p:cNvSpPr>
           <p:nvPr>
             <p:ph type="sldNum" sz="quarter" idx="5"/>
@@ -876,7 +857,6 @@
             </a:pPr>
             <a:fld id="{FEC2B89F-BA4A-4623-90A0-F95E4926B701}" type="slidenum">
               <a:rPr lang="zh-CN" altLang="en-US" smtClean="0"/>
-              <a:t>2</a:t>
             </a:fld>
             <a:endParaRPr lang="zh-CN" altLang="en-US"/>
           </a:p>
@@ -911,7 +891,7 @@
         <p:nvSpPr>
           <p:cNvPr id="26626" name="幻灯片图像占位符 1"/>
           <p:cNvSpPr>
-            <a:spLocks noGrp="1" noRot="1" noChangeAspect="1" noTextEdit="1"/>
+            <a:spLocks noGrp="true" noRot="true" noChangeAspect="true" noTextEdit="true"/>
           </p:cNvSpPr>
           <p:nvPr>
             <p:ph type="sldImg"/>
@@ -940,7 +920,7 @@
         <p:nvSpPr>
           <p:cNvPr id="26627" name="备注占位符 2"/>
           <p:cNvSpPr>
-            <a:spLocks noGrp="1"/>
+            <a:spLocks noGrp="true"/>
           </p:cNvSpPr>
           <p:nvPr>
             <p:ph type="body" idx="1"/>
@@ -985,7 +965,7 @@
         <p:nvSpPr>
           <p:cNvPr id="26628" name="灯片编号占位符 3"/>
           <p:cNvSpPr>
-            <a:spLocks noGrp="1"/>
+            <a:spLocks noGrp="true"/>
           </p:cNvSpPr>
           <p:nvPr>
             <p:ph type="sldNum" sz="quarter" idx="5"/>
@@ -1147,7 +1127,6 @@
               <a:rPr lang="zh-CN" altLang="en-US" smtClean="0">
                 <a:latin typeface="Arial" panose="020B0604020202020204" pitchFamily="34" charset="0"/>
               </a:rPr>
-              <a:t>3</a:t>
             </a:fld>
             <a:endParaRPr lang="zh-CN" altLang="en-US">
               <a:latin typeface="Arial" panose="020B0604020202020204" pitchFamily="34" charset="0"/>
@@ -1184,7 +1163,7 @@
         <p:nvSpPr>
           <p:cNvPr id="26626" name="幻灯片图像占位符 1"/>
           <p:cNvSpPr>
-            <a:spLocks noGrp="1" noRot="1" noChangeAspect="1" noTextEdit="1"/>
+            <a:spLocks noGrp="true" noRot="true" noChangeAspect="true" noTextEdit="true"/>
           </p:cNvSpPr>
           <p:nvPr>
             <p:ph type="sldImg"/>
@@ -1213,7 +1192,7 @@
         <p:nvSpPr>
           <p:cNvPr id="26627" name="备注占位符 2"/>
           <p:cNvSpPr>
-            <a:spLocks noGrp="1"/>
+            <a:spLocks noGrp="true"/>
           </p:cNvSpPr>
           <p:nvPr>
             <p:ph type="body" idx="1"/>
@@ -1258,7 +1237,7 @@
         <p:nvSpPr>
           <p:cNvPr id="26628" name="灯片编号占位符 3"/>
           <p:cNvSpPr>
-            <a:spLocks noGrp="1"/>
+            <a:spLocks noGrp="true"/>
           </p:cNvSpPr>
           <p:nvPr>
             <p:ph type="sldNum" sz="quarter" idx="5"/>
@@ -1420,7 +1399,6 @@
               <a:rPr lang="zh-CN" altLang="en-US" smtClean="0">
                 <a:latin typeface="Arial" panose="020B0604020202020204" pitchFamily="34" charset="0"/>
               </a:rPr>
-              <a:t>4</a:t>
             </a:fld>
             <a:endParaRPr lang="zh-CN" altLang="en-US">
               <a:latin typeface="Arial" panose="020B0604020202020204" pitchFamily="34" charset="0"/>
@@ -1437,7 +1415,7 @@
 </file>
 
 <file path=ppt/slideLayouts/slideLayout1.xml><?xml version="1.0" encoding="utf-8"?>
-<p:sldLayout xmlns:a="http://schemas.openxmlformats.org/drawingml/2006/main" xmlns:r="http://schemas.openxmlformats.org/officeDocument/2006/relationships" xmlns:p="http://schemas.openxmlformats.org/presentationml/2006/main" showMasterSp="0" type="title" preserve="1">
+<p:sldLayout xmlns:a="http://schemas.openxmlformats.org/drawingml/2006/main" xmlns:r="http://schemas.openxmlformats.org/officeDocument/2006/relationships" xmlns:p="http://schemas.openxmlformats.org/presentationml/2006/main" type="title" preserve="1" showMasterSp="0">
   <p:cSld name="标题幻灯片">
     <p:spTree>
       <p:nvGrpSpPr>
@@ -1457,7 +1435,7 @@
         <p:nvSpPr>
           <p:cNvPr id="4" name="Rectangle 19"/>
           <p:cNvSpPr>
-            <a:spLocks noChangeArrowheads="1"/>
+            <a:spLocks noChangeArrowheads="true"/>
           </p:cNvSpPr>
           <p:nvPr/>
         </p:nvSpPr>
@@ -1469,7 +1447,7 @@
           <a:prstGeom prst="rect">
             <a:avLst/>
           </a:prstGeom>
-          <a:gradFill rotWithShape="0">
+          <a:gradFill rotWithShape="false">
             <a:gsLst>
               <a:gs pos="0">
                 <a:schemeClr val="bg2"/>
@@ -1478,7 +1456,7 @@
                 <a:schemeClr val="bg1"/>
               </a:gs>
             </a:gsLst>
-            <a:lin ang="0" scaled="1"/>
+            <a:lin ang="0" scaled="true"/>
           </a:gradFill>
           <a:ln>
             <a:noFill/>
@@ -1619,7 +1597,7 @@
         <p:nvGrpSpPr>
           <p:cNvPr id="5" name="Group 8"/>
           <p:cNvGrpSpPr/>
-          <p:nvPr userDrawn="1"/>
+          <p:nvPr userDrawn="true"/>
         </p:nvGrpSpPr>
         <p:grpSpPr bwMode="auto">
           <a:xfrm>
@@ -1633,9 +1611,9 @@
           <p:nvSpPr>
             <p:cNvPr id="6" name="Rectangle 9"/>
             <p:cNvSpPr>
-              <a:spLocks noChangeArrowheads="1"/>
+              <a:spLocks noChangeArrowheads="true"/>
             </p:cNvSpPr>
-            <p:nvPr userDrawn="1"/>
+            <p:nvPr userDrawn="true"/>
           </p:nvSpPr>
           <p:spPr bwMode="auto">
             <a:xfrm>
@@ -1787,9 +1765,9 @@
           <p:nvSpPr>
             <p:cNvPr id="7" name="Rectangle 10"/>
             <p:cNvSpPr>
-              <a:spLocks noChangeArrowheads="1"/>
+              <a:spLocks noChangeArrowheads="true"/>
             </p:cNvSpPr>
-            <p:nvPr userDrawn="1"/>
+            <p:nvPr userDrawn="true"/>
           </p:nvSpPr>
           <p:spPr bwMode="auto">
             <a:xfrm>
@@ -1941,9 +1919,9 @@
           <p:nvSpPr>
             <p:cNvPr id="8" name="Rectangle 11"/>
             <p:cNvSpPr>
-              <a:spLocks noChangeArrowheads="1"/>
+              <a:spLocks noChangeArrowheads="true"/>
             </p:cNvSpPr>
-            <p:nvPr userDrawn="1"/>
+            <p:nvPr userDrawn="true"/>
           </p:nvSpPr>
           <p:spPr bwMode="auto">
             <a:xfrm>
@@ -2095,9 +2073,9 @@
           <p:nvSpPr>
             <p:cNvPr id="9" name="Rectangle 12"/>
             <p:cNvSpPr>
-              <a:spLocks noChangeArrowheads="1"/>
+              <a:spLocks noChangeArrowheads="true"/>
             </p:cNvSpPr>
-            <p:nvPr userDrawn="1"/>
+            <p:nvPr userDrawn="true"/>
           </p:nvSpPr>
           <p:spPr bwMode="auto">
             <a:xfrm>
@@ -2249,9 +2227,9 @@
           <p:nvSpPr>
             <p:cNvPr id="10" name="Rectangle 13"/>
             <p:cNvSpPr>
-              <a:spLocks noChangeArrowheads="1"/>
+              <a:spLocks noChangeArrowheads="true"/>
             </p:cNvSpPr>
-            <p:nvPr userDrawn="1"/>
+            <p:nvPr userDrawn="true"/>
           </p:nvSpPr>
           <p:spPr bwMode="auto">
             <a:xfrm>
@@ -2403,9 +2381,9 @@
           <p:nvSpPr>
             <p:cNvPr id="11" name="Rectangle 14"/>
             <p:cNvSpPr>
-              <a:spLocks noChangeArrowheads="1"/>
+              <a:spLocks noChangeArrowheads="true"/>
             </p:cNvSpPr>
-            <p:nvPr userDrawn="1"/>
+            <p:nvPr userDrawn="true"/>
           </p:nvSpPr>
           <p:spPr bwMode="auto">
             <a:xfrm>
@@ -2557,9 +2535,9 @@
           <p:nvSpPr>
             <p:cNvPr id="12" name="Rectangle 15"/>
             <p:cNvSpPr>
-              <a:spLocks noChangeArrowheads="1"/>
+              <a:spLocks noChangeArrowheads="true"/>
             </p:cNvSpPr>
-            <p:nvPr userDrawn="1"/>
+            <p:nvPr userDrawn="true"/>
           </p:nvSpPr>
           <p:spPr bwMode="auto">
             <a:xfrm>
@@ -2711,9 +2689,9 @@
           <p:nvSpPr>
             <p:cNvPr id="13" name="Rectangle 16"/>
             <p:cNvSpPr>
-              <a:spLocks noChangeArrowheads="1"/>
+              <a:spLocks noChangeArrowheads="true"/>
             </p:cNvSpPr>
-            <p:nvPr userDrawn="1"/>
+            <p:nvPr userDrawn="true"/>
           </p:nvSpPr>
           <p:spPr bwMode="auto">
             <a:xfrm>
@@ -2865,9 +2843,9 @@
           <p:nvSpPr>
             <p:cNvPr id="14" name="Rectangle 17"/>
             <p:cNvSpPr>
-              <a:spLocks noChangeArrowheads="1"/>
+              <a:spLocks noChangeArrowheads="true"/>
             </p:cNvSpPr>
-            <p:nvPr userDrawn="1"/>
+            <p:nvPr userDrawn="true"/>
           </p:nvSpPr>
           <p:spPr bwMode="auto">
             <a:xfrm>
@@ -3019,9 +2997,9 @@
           <p:nvSpPr>
             <p:cNvPr id="15" name="Rectangle 18"/>
             <p:cNvSpPr>
-              <a:spLocks noChangeArrowheads="1"/>
+              <a:spLocks noChangeArrowheads="true"/>
             </p:cNvSpPr>
-            <p:nvPr userDrawn="1"/>
+            <p:nvPr userDrawn="true"/>
           </p:nvSpPr>
           <p:spPr bwMode="auto">
             <a:xfrm>
@@ -3174,7 +3152,7 @@
         <p:nvSpPr>
           <p:cNvPr id="18449" name="Rectangle 17"/>
           <p:cNvSpPr>
-            <a:spLocks noGrp="1" noChangeArrowheads="1"/>
+            <a:spLocks noGrp="true" noChangeArrowheads="true"/>
           </p:cNvSpPr>
           <p:nvPr>
             <p:ph type="ctrTitle"/>
@@ -3201,6 +3179,7 @@
               <a:rPr lang="zh-CN" altLang="en-US" dirty="0"/>
               <a:t>单击此处编辑母版标题样式</a:t>
             </a:r>
+            <a:endParaRPr lang="zh-CN" altLang="en-US" dirty="0"/>
           </a:p>
         </p:txBody>
       </p:sp>
@@ -3208,7 +3187,7 @@
         <p:nvSpPr>
           <p:cNvPr id="18450" name="Rectangle 18"/>
           <p:cNvSpPr>
-            <a:spLocks noGrp="1" noChangeArrowheads="1"/>
+            <a:spLocks noGrp="true" noChangeArrowheads="true"/>
           </p:cNvSpPr>
           <p:nvPr>
             <p:ph type="subTitle" idx="1"/>
@@ -3237,6 +3216,7 @@
               <a:rPr lang="zh-CN" altLang="en-US" dirty="0"/>
               <a:t>单击此处编辑母版副标题样式</a:t>
             </a:r>
+            <a:endParaRPr lang="zh-CN" altLang="en-US" dirty="0"/>
           </a:p>
         </p:txBody>
       </p:sp>
@@ -3244,7 +3224,7 @@
         <p:nvSpPr>
           <p:cNvPr id="17" name="Rectangle 14"/>
           <p:cNvSpPr>
-            <a:spLocks noGrp="1" noChangeArrowheads="1"/>
+            <a:spLocks noGrp="true" noChangeArrowheads="true"/>
           </p:cNvSpPr>
           <p:nvPr>
             <p:ph type="dt" sz="half" idx="10"/>
@@ -3281,7 +3261,7 @@
         <p:nvSpPr>
           <p:cNvPr id="18" name="Rectangle 15"/>
           <p:cNvSpPr>
-            <a:spLocks noGrp="1" noChangeArrowheads="1"/>
+            <a:spLocks noGrp="true" noChangeArrowheads="true"/>
           </p:cNvSpPr>
           <p:nvPr>
             <p:ph type="ftr" sz="quarter" idx="11"/>
@@ -3313,15 +3293,15 @@
         <p:nvPicPr>
           <p:cNvPr id="19" name="Picture 20" descr="hust2"/>
           <p:cNvPicPr>
-            <a:picLocks noChangeAspect="1" noChangeArrowheads="1"/>
+            <a:picLocks noChangeAspect="true" noChangeArrowheads="true"/>
           </p:cNvPicPr>
-          <p:nvPr userDrawn="1"/>
+          <p:nvPr userDrawn="true"/>
         </p:nvPicPr>
         <p:blipFill>
           <a:blip r:embed="rId2" cstate="print">
             <a:extLst>
               <a:ext uri="{28A0092B-C50C-407E-A947-70E740481C1C}">
-                <a14:useLocalDpi xmlns:a14="http://schemas.microsoft.com/office/drawing/2010/main" val="0"/>
+                <a14:useLocalDpi xmlns:a14="http://schemas.microsoft.com/office/drawing/2010/main" val="false"/>
               </a:ext>
             </a:extLst>
           </a:blip>
@@ -3367,15 +3347,15 @@
         <p:nvPicPr>
           <p:cNvPr id="21" name="图片 20"/>
           <p:cNvPicPr>
-            <a:picLocks noChangeAspect="1"/>
+            <a:picLocks noChangeAspect="true"/>
           </p:cNvPicPr>
-          <p:nvPr userDrawn="1"/>
+          <p:nvPr userDrawn="true"/>
         </p:nvPicPr>
         <p:blipFill>
           <a:blip r:embed="rId3" cstate="print">
             <a:extLst>
               <a:ext uri="{28A0092B-C50C-407E-A947-70E740481C1C}">
-                <a14:useLocalDpi xmlns:a14="http://schemas.microsoft.com/office/drawing/2010/main" val="0"/>
+                <a14:useLocalDpi xmlns:a14="http://schemas.microsoft.com/office/drawing/2010/main" val="false"/>
               </a:ext>
             </a:extLst>
           </a:blip>
@@ -3422,7 +3402,7 @@
         <p:nvSpPr>
           <p:cNvPr id="2" name="标题 1"/>
           <p:cNvSpPr>
-            <a:spLocks noGrp="1"/>
+            <a:spLocks noGrp="true"/>
           </p:cNvSpPr>
           <p:nvPr>
             <p:ph type="title"/>
@@ -3437,6 +3417,7 @@
               <a:rPr lang="zh-CN" altLang="en-US"/>
               <a:t>单击此处编辑母版标题样式</a:t>
             </a:r>
+            <a:endParaRPr lang="zh-CN" altLang="en-US"/>
           </a:p>
         </p:txBody>
       </p:sp>
@@ -3444,7 +3425,7 @@
         <p:nvSpPr>
           <p:cNvPr id="3" name="竖排文字占位符 2"/>
           <p:cNvSpPr>
-            <a:spLocks noGrp="1"/>
+            <a:spLocks noGrp="true"/>
           </p:cNvSpPr>
           <p:nvPr>
             <p:ph type="body" orient="vert" idx="1"/>
@@ -3460,6 +3441,7 @@
               <a:rPr lang="zh-CN" altLang="en-US" dirty="0"/>
               <a:t>单击此处编辑母版文本样式</a:t>
             </a:r>
+            <a:endParaRPr lang="zh-CN" altLang="en-US" dirty="0"/>
           </a:p>
           <a:p>
             <a:pPr lvl="1"/>
@@ -3467,6 +3449,7 @@
               <a:rPr lang="zh-CN" altLang="en-US" dirty="0"/>
               <a:t>第二级</a:t>
             </a:r>
+            <a:endParaRPr lang="zh-CN" altLang="en-US" dirty="0"/>
           </a:p>
           <a:p>
             <a:pPr lvl="2"/>
@@ -3474,6 +3457,7 @@
               <a:rPr lang="zh-CN" altLang="en-US" dirty="0"/>
               <a:t>第三级</a:t>
             </a:r>
+            <a:endParaRPr lang="zh-CN" altLang="en-US" dirty="0"/>
           </a:p>
           <a:p>
             <a:pPr lvl="3"/>
@@ -3481,6 +3465,7 @@
               <a:rPr lang="zh-CN" altLang="en-US" dirty="0"/>
               <a:t>第四级</a:t>
             </a:r>
+            <a:endParaRPr lang="zh-CN" altLang="en-US" dirty="0"/>
           </a:p>
           <a:p>
             <a:pPr lvl="4"/>
@@ -3488,6 +3473,7 @@
               <a:rPr lang="zh-CN" altLang="en-US" dirty="0"/>
               <a:t>第五级</a:t>
             </a:r>
+            <a:endParaRPr lang="zh-CN" altLang="en-US" dirty="0"/>
           </a:p>
         </p:txBody>
       </p:sp>
@@ -3495,7 +3481,7 @@
         <p:nvSpPr>
           <p:cNvPr id="4" name="Rectangle 3"/>
           <p:cNvSpPr>
-            <a:spLocks noGrp="1" noChangeArrowheads="1"/>
+            <a:spLocks noGrp="true" noChangeArrowheads="true"/>
           </p:cNvSpPr>
           <p:nvPr>
             <p:ph type="ftr" sz="quarter" idx="10"/>
@@ -3525,7 +3511,7 @@
         <p:nvSpPr>
           <p:cNvPr id="5" name="Rectangle 4"/>
           <p:cNvSpPr>
-            <a:spLocks noGrp="1" noChangeArrowheads="1"/>
+            <a:spLocks noGrp="true" noChangeArrowheads="true"/>
           </p:cNvSpPr>
           <p:nvPr>
             <p:ph type="sldNum" sz="quarter" idx="11"/>
@@ -3545,7 +3531,6 @@
             </a:pPr>
             <a:fld id="{4E0F7BC1-3954-4ABA-82C4-89EED6D29364}" type="slidenum">
               <a:rPr lang="en-US" altLang="zh-CN"/>
-              <a:t>‹#›</a:t>
             </a:fld>
             <a:endParaRPr lang="en-US" altLang="zh-CN"/>
           </a:p>
@@ -3580,7 +3565,7 @@
         <p:nvSpPr>
           <p:cNvPr id="2" name="竖排标题 1"/>
           <p:cNvSpPr>
-            <a:spLocks noGrp="1"/>
+            <a:spLocks noGrp="true"/>
           </p:cNvSpPr>
           <p:nvPr>
             <p:ph type="title" orient="vert"/>
@@ -3600,6 +3585,7 @@
               <a:rPr lang="zh-CN" altLang="en-US"/>
               <a:t>单击此处编辑母版标题样式</a:t>
             </a:r>
+            <a:endParaRPr lang="zh-CN" altLang="en-US"/>
           </a:p>
         </p:txBody>
       </p:sp>
@@ -3607,7 +3593,7 @@
         <p:nvSpPr>
           <p:cNvPr id="3" name="竖排文字占位符 2"/>
           <p:cNvSpPr>
-            <a:spLocks noGrp="1"/>
+            <a:spLocks noGrp="true"/>
           </p:cNvSpPr>
           <p:nvPr>
             <p:ph type="body" orient="vert" idx="1"/>
@@ -3628,6 +3614,7 @@
               <a:rPr lang="zh-CN" altLang="en-US" dirty="0"/>
               <a:t>单击此处编辑母版文本样式</a:t>
             </a:r>
+            <a:endParaRPr lang="zh-CN" altLang="en-US" dirty="0"/>
           </a:p>
           <a:p>
             <a:pPr lvl="1"/>
@@ -3635,6 +3622,7 @@
               <a:rPr lang="zh-CN" altLang="en-US" dirty="0"/>
               <a:t>第二级</a:t>
             </a:r>
+            <a:endParaRPr lang="zh-CN" altLang="en-US" dirty="0"/>
           </a:p>
           <a:p>
             <a:pPr lvl="2"/>
@@ -3642,6 +3630,7 @@
               <a:rPr lang="zh-CN" altLang="en-US" dirty="0"/>
               <a:t>第三级</a:t>
             </a:r>
+            <a:endParaRPr lang="zh-CN" altLang="en-US" dirty="0"/>
           </a:p>
           <a:p>
             <a:pPr lvl="3"/>
@@ -3649,6 +3638,7 @@
               <a:rPr lang="zh-CN" altLang="en-US" dirty="0"/>
               <a:t>第四级</a:t>
             </a:r>
+            <a:endParaRPr lang="zh-CN" altLang="en-US" dirty="0"/>
           </a:p>
           <a:p>
             <a:pPr lvl="4"/>
@@ -3656,6 +3646,7 @@
               <a:rPr lang="zh-CN" altLang="en-US" dirty="0"/>
               <a:t>第五级</a:t>
             </a:r>
+            <a:endParaRPr lang="zh-CN" altLang="en-US" dirty="0"/>
           </a:p>
         </p:txBody>
       </p:sp>
@@ -3663,7 +3654,7 @@
         <p:nvSpPr>
           <p:cNvPr id="4" name="Rectangle 3"/>
           <p:cNvSpPr>
-            <a:spLocks noGrp="1" noChangeArrowheads="1"/>
+            <a:spLocks noGrp="true" noChangeArrowheads="true"/>
           </p:cNvSpPr>
           <p:nvPr>
             <p:ph type="ftr" sz="quarter" idx="10"/>
@@ -3693,7 +3684,7 @@
         <p:nvSpPr>
           <p:cNvPr id="5" name="Rectangle 4"/>
           <p:cNvSpPr>
-            <a:spLocks noGrp="1" noChangeArrowheads="1"/>
+            <a:spLocks noGrp="true" noChangeArrowheads="true"/>
           </p:cNvSpPr>
           <p:nvPr>
             <p:ph type="sldNum" sz="quarter" idx="11"/>
@@ -3713,7 +3704,6 @@
             </a:pPr>
             <a:fld id="{67CF7858-8930-4F8B-9B76-F78F08A2E6D3}" type="slidenum">
               <a:rPr lang="en-US" altLang="zh-CN"/>
-              <a:t>‹#›</a:t>
             </a:fld>
             <a:endParaRPr lang="en-US" altLang="zh-CN"/>
           </a:p>
@@ -3748,7 +3738,7 @@
         <p:nvSpPr>
           <p:cNvPr id="2" name="标题 1"/>
           <p:cNvSpPr>
-            <a:spLocks noGrp="1"/>
+            <a:spLocks noGrp="true"/>
           </p:cNvSpPr>
           <p:nvPr>
             <p:ph type="title"/>
@@ -3775,6 +3765,7 @@
               <a:rPr lang="zh-CN" altLang="en-US" dirty="0"/>
               <a:t>单击此处编辑母版标题样式</a:t>
             </a:r>
+            <a:endParaRPr lang="zh-CN" altLang="en-US" dirty="0"/>
           </a:p>
         </p:txBody>
       </p:sp>
@@ -3782,7 +3773,7 @@
         <p:nvSpPr>
           <p:cNvPr id="3" name="内容占位符 2"/>
           <p:cNvSpPr>
-            <a:spLocks noGrp="1"/>
+            <a:spLocks noGrp="true"/>
           </p:cNvSpPr>
           <p:nvPr>
             <p:ph idx="1"/>
@@ -3874,6 +3865,7 @@
               <a:rPr lang="zh-CN" altLang="en-US" dirty="0"/>
               <a:t>单击此处编辑母版文本样式</a:t>
             </a:r>
+            <a:endParaRPr lang="zh-CN" altLang="en-US" dirty="0"/>
           </a:p>
           <a:p>
             <a:pPr lvl="1"/>
@@ -3881,6 +3873,7 @@
               <a:rPr lang="zh-CN" altLang="en-US" dirty="0"/>
               <a:t>第二级</a:t>
             </a:r>
+            <a:endParaRPr lang="zh-CN" altLang="en-US" dirty="0"/>
           </a:p>
           <a:p>
             <a:pPr lvl="2"/>
@@ -3888,6 +3881,7 @@
               <a:rPr lang="zh-CN" altLang="en-US" dirty="0"/>
               <a:t>第三级</a:t>
             </a:r>
+            <a:endParaRPr lang="zh-CN" altLang="en-US" dirty="0"/>
           </a:p>
           <a:p>
             <a:pPr lvl="3"/>
@@ -3895,6 +3889,7 @@
               <a:rPr lang="zh-CN" altLang="en-US" dirty="0"/>
               <a:t>第四级</a:t>
             </a:r>
+            <a:endParaRPr lang="zh-CN" altLang="en-US" dirty="0"/>
           </a:p>
           <a:p>
             <a:pPr lvl="4"/>
@@ -3902,6 +3897,7 @@
               <a:rPr lang="zh-CN" altLang="en-US" dirty="0"/>
               <a:t>第五级</a:t>
             </a:r>
+            <a:endParaRPr lang="zh-CN" altLang="en-US" dirty="0"/>
           </a:p>
         </p:txBody>
       </p:sp>
@@ -3909,7 +3905,7 @@
         <p:nvSpPr>
           <p:cNvPr id="4" name="Rectangle 3"/>
           <p:cNvSpPr>
-            <a:spLocks noGrp="1" noChangeArrowheads="1"/>
+            <a:spLocks noGrp="true" noChangeArrowheads="true"/>
           </p:cNvSpPr>
           <p:nvPr>
             <p:ph type="ftr" sz="quarter" idx="10"/>
@@ -3939,7 +3935,7 @@
         <p:nvSpPr>
           <p:cNvPr id="5" name="Rectangle 4"/>
           <p:cNvSpPr>
-            <a:spLocks noGrp="1" noChangeArrowheads="1"/>
+            <a:spLocks noGrp="true" noChangeArrowheads="true"/>
           </p:cNvSpPr>
           <p:nvPr>
             <p:ph type="sldNum" sz="quarter" idx="11"/>
@@ -3959,7 +3955,6 @@
             </a:pPr>
             <a:fld id="{4E838731-E2DB-4284-83ED-693138A841F5}" type="slidenum">
               <a:rPr lang="en-US" altLang="zh-CN"/>
-              <a:t>‹#›</a:t>
             </a:fld>
             <a:endParaRPr lang="en-US" altLang="zh-CN"/>
           </a:p>
@@ -3969,7 +3964,7 @@
         <p:nvSpPr>
           <p:cNvPr id="6" name="Rectangle 7"/>
           <p:cNvSpPr>
-            <a:spLocks noGrp="1" noChangeArrowheads="1"/>
+            <a:spLocks noGrp="true" noChangeArrowheads="true"/>
           </p:cNvSpPr>
           <p:nvPr>
             <p:ph type="dt" sz="half" idx="12"/>
@@ -4024,7 +4019,7 @@
         <p:nvSpPr>
           <p:cNvPr id="2" name="标题 1"/>
           <p:cNvSpPr>
-            <a:spLocks noGrp="1"/>
+            <a:spLocks noGrp="true"/>
           </p:cNvSpPr>
           <p:nvPr>
             <p:ph type="title"/>
@@ -4048,6 +4043,7 @@
               <a:rPr lang="zh-CN" altLang="en-US" dirty="0"/>
               <a:t>单击此处编辑母版标题样式</a:t>
             </a:r>
+            <a:endParaRPr lang="zh-CN" altLang="en-US" dirty="0"/>
           </a:p>
         </p:txBody>
       </p:sp>
@@ -4055,7 +4051,7 @@
         <p:nvSpPr>
           <p:cNvPr id="3" name="文本占位符 2"/>
           <p:cNvSpPr>
-            <a:spLocks noGrp="1"/>
+            <a:spLocks noGrp="true"/>
           </p:cNvSpPr>
           <p:nvPr>
             <p:ph type="body" idx="1"/>
@@ -4113,6 +4109,7 @@
               <a:rPr lang="zh-CN" altLang="en-US" dirty="0"/>
               <a:t>单击此处编辑母版文本样式</a:t>
             </a:r>
+            <a:endParaRPr lang="zh-CN" altLang="en-US" dirty="0"/>
           </a:p>
         </p:txBody>
       </p:sp>
@@ -4120,7 +4117,7 @@
         <p:nvSpPr>
           <p:cNvPr id="4" name="Rectangle 3"/>
           <p:cNvSpPr>
-            <a:spLocks noGrp="1" noChangeArrowheads="1"/>
+            <a:spLocks noGrp="true" noChangeArrowheads="true"/>
           </p:cNvSpPr>
           <p:nvPr>
             <p:ph type="ftr" sz="quarter" idx="10"/>
@@ -4150,7 +4147,7 @@
         <p:nvSpPr>
           <p:cNvPr id="5" name="Rectangle 4"/>
           <p:cNvSpPr>
-            <a:spLocks noGrp="1" noChangeArrowheads="1"/>
+            <a:spLocks noGrp="true" noChangeArrowheads="true"/>
           </p:cNvSpPr>
           <p:nvPr>
             <p:ph type="sldNum" sz="quarter" idx="11"/>
@@ -4170,7 +4167,6 @@
             </a:pPr>
             <a:fld id="{2C872BD1-4115-40EF-AC16-4F78C210B7EE}" type="slidenum">
               <a:rPr lang="en-US" altLang="zh-CN"/>
-              <a:t>‹#›</a:t>
             </a:fld>
             <a:endParaRPr lang="en-US" altLang="zh-CN" dirty="0"/>
           </a:p>
@@ -4180,7 +4176,7 @@
         <p:nvSpPr>
           <p:cNvPr id="6" name="Rectangle 7"/>
           <p:cNvSpPr>
-            <a:spLocks noGrp="1" noChangeArrowheads="1"/>
+            <a:spLocks noGrp="true" noChangeArrowheads="true"/>
           </p:cNvSpPr>
           <p:nvPr>
             <p:ph type="dt" sz="half" idx="12"/>
@@ -4235,7 +4231,7 @@
         <p:nvSpPr>
           <p:cNvPr id="2" name="标题 1"/>
           <p:cNvSpPr>
-            <a:spLocks noGrp="1"/>
+            <a:spLocks noGrp="true"/>
           </p:cNvSpPr>
           <p:nvPr>
             <p:ph type="title"/>
@@ -4250,6 +4246,7 @@
               <a:rPr lang="zh-CN" altLang="en-US"/>
               <a:t>单击此处编辑母版标题样式</a:t>
             </a:r>
+            <a:endParaRPr lang="zh-CN" altLang="en-US"/>
           </a:p>
         </p:txBody>
       </p:sp>
@@ -4257,7 +4254,7 @@
         <p:nvSpPr>
           <p:cNvPr id="3" name="内容占位符 2"/>
           <p:cNvSpPr>
-            <a:spLocks noGrp="1"/>
+            <a:spLocks noGrp="true"/>
           </p:cNvSpPr>
           <p:nvPr>
             <p:ph sz="half" idx="1"/>
@@ -4306,6 +4303,7 @@
               <a:rPr lang="zh-CN" altLang="en-US" dirty="0"/>
               <a:t>单击此处编辑母版文本样式</a:t>
             </a:r>
+            <a:endParaRPr lang="zh-CN" altLang="en-US" dirty="0"/>
           </a:p>
           <a:p>
             <a:pPr lvl="1"/>
@@ -4313,6 +4311,7 @@
               <a:rPr lang="zh-CN" altLang="en-US" dirty="0"/>
               <a:t>第二级</a:t>
             </a:r>
+            <a:endParaRPr lang="zh-CN" altLang="en-US" dirty="0"/>
           </a:p>
           <a:p>
             <a:pPr lvl="2"/>
@@ -4320,6 +4319,7 @@
               <a:rPr lang="zh-CN" altLang="en-US" dirty="0"/>
               <a:t>第三级</a:t>
             </a:r>
+            <a:endParaRPr lang="zh-CN" altLang="en-US" dirty="0"/>
           </a:p>
           <a:p>
             <a:pPr lvl="3"/>
@@ -4327,6 +4327,7 @@
               <a:rPr lang="zh-CN" altLang="en-US" dirty="0"/>
               <a:t>第四级</a:t>
             </a:r>
+            <a:endParaRPr lang="zh-CN" altLang="en-US" dirty="0"/>
           </a:p>
           <a:p>
             <a:pPr lvl="4"/>
@@ -4334,6 +4335,7 @@
               <a:rPr lang="zh-CN" altLang="en-US" dirty="0"/>
               <a:t>第五级</a:t>
             </a:r>
+            <a:endParaRPr lang="zh-CN" altLang="en-US" dirty="0"/>
           </a:p>
         </p:txBody>
       </p:sp>
@@ -4341,7 +4343,7 @@
         <p:nvSpPr>
           <p:cNvPr id="4" name="内容占位符 3"/>
           <p:cNvSpPr>
-            <a:spLocks noGrp="1"/>
+            <a:spLocks noGrp="true"/>
           </p:cNvSpPr>
           <p:nvPr>
             <p:ph sz="half" idx="2"/>
@@ -4390,6 +4392,7 @@
               <a:rPr lang="zh-CN" altLang="en-US"/>
               <a:t>单击此处编辑母版文本样式</a:t>
             </a:r>
+            <a:endParaRPr lang="zh-CN" altLang="en-US"/>
           </a:p>
           <a:p>
             <a:pPr lvl="1"/>
@@ -4397,6 +4400,7 @@
               <a:rPr lang="zh-CN" altLang="en-US"/>
               <a:t>第二级</a:t>
             </a:r>
+            <a:endParaRPr lang="zh-CN" altLang="en-US"/>
           </a:p>
           <a:p>
             <a:pPr lvl="2"/>
@@ -4404,6 +4408,7 @@
               <a:rPr lang="zh-CN" altLang="en-US"/>
               <a:t>第三级</a:t>
             </a:r>
+            <a:endParaRPr lang="zh-CN" altLang="en-US"/>
           </a:p>
           <a:p>
             <a:pPr lvl="3"/>
@@ -4411,6 +4416,7 @@
               <a:rPr lang="zh-CN" altLang="en-US"/>
               <a:t>第四级</a:t>
             </a:r>
+            <a:endParaRPr lang="zh-CN" altLang="en-US"/>
           </a:p>
           <a:p>
             <a:pPr lvl="4"/>
@@ -4418,6 +4424,7 @@
               <a:rPr lang="zh-CN" altLang="en-US"/>
               <a:t>第五级</a:t>
             </a:r>
+            <a:endParaRPr lang="zh-CN" altLang="en-US"/>
           </a:p>
         </p:txBody>
       </p:sp>
@@ -4425,7 +4432,7 @@
         <p:nvSpPr>
           <p:cNvPr id="5" name="Rectangle 3"/>
           <p:cNvSpPr>
-            <a:spLocks noGrp="1" noChangeArrowheads="1"/>
+            <a:spLocks noGrp="true" noChangeArrowheads="true"/>
           </p:cNvSpPr>
           <p:nvPr>
             <p:ph type="ftr" sz="quarter" idx="10"/>
@@ -4455,7 +4462,7 @@
         <p:nvSpPr>
           <p:cNvPr id="6" name="Rectangle 4"/>
           <p:cNvSpPr>
-            <a:spLocks noGrp="1" noChangeArrowheads="1"/>
+            <a:spLocks noGrp="true" noChangeArrowheads="true"/>
           </p:cNvSpPr>
           <p:nvPr>
             <p:ph type="sldNum" sz="quarter" idx="11"/>
@@ -4475,7 +4482,6 @@
             </a:pPr>
             <a:fld id="{41618BA0-78C2-4878-B309-D87751AAF878}" type="slidenum">
               <a:rPr lang="en-US" altLang="zh-CN"/>
-              <a:t>‹#›</a:t>
             </a:fld>
             <a:endParaRPr lang="en-US" altLang="zh-CN"/>
           </a:p>
@@ -4485,7 +4491,7 @@
         <p:nvSpPr>
           <p:cNvPr id="7" name="Rectangle 7"/>
           <p:cNvSpPr>
-            <a:spLocks noGrp="1" noChangeArrowheads="1"/>
+            <a:spLocks noGrp="true" noChangeArrowheads="true"/>
           </p:cNvSpPr>
           <p:nvPr>
             <p:ph type="dt" sz="half" idx="12"/>
@@ -4540,7 +4546,7 @@
         <p:nvSpPr>
           <p:cNvPr id="2" name="标题 1"/>
           <p:cNvSpPr>
-            <a:spLocks noGrp="1"/>
+            <a:spLocks noGrp="true"/>
           </p:cNvSpPr>
           <p:nvPr>
             <p:ph type="title"/>
@@ -4564,6 +4570,7 @@
               <a:rPr lang="zh-CN" altLang="en-US"/>
               <a:t>单击此处编辑母版标题样式</a:t>
             </a:r>
+            <a:endParaRPr lang="zh-CN" altLang="en-US"/>
           </a:p>
         </p:txBody>
       </p:sp>
@@ -4571,7 +4578,7 @@
         <p:nvSpPr>
           <p:cNvPr id="3" name="文本占位符 2"/>
           <p:cNvSpPr>
-            <a:spLocks noGrp="1"/>
+            <a:spLocks noGrp="true"/>
           </p:cNvSpPr>
           <p:nvPr>
             <p:ph type="body" idx="1"/>
@@ -4629,6 +4636,7 @@
               <a:rPr lang="zh-CN" altLang="en-US"/>
               <a:t>单击此处编辑母版文本样式</a:t>
             </a:r>
+            <a:endParaRPr lang="zh-CN" altLang="en-US"/>
           </a:p>
         </p:txBody>
       </p:sp>
@@ -4636,7 +4644,7 @@
         <p:nvSpPr>
           <p:cNvPr id="4" name="内容占位符 3"/>
           <p:cNvSpPr>
-            <a:spLocks noGrp="1"/>
+            <a:spLocks noGrp="true"/>
           </p:cNvSpPr>
           <p:nvPr>
             <p:ph sz="half" idx="2"/>
@@ -4685,6 +4693,7 @@
               <a:rPr lang="zh-CN" altLang="en-US"/>
               <a:t>单击此处编辑母版文本样式</a:t>
             </a:r>
+            <a:endParaRPr lang="zh-CN" altLang="en-US"/>
           </a:p>
           <a:p>
             <a:pPr lvl="1"/>
@@ -4692,6 +4701,7 @@
               <a:rPr lang="zh-CN" altLang="en-US"/>
               <a:t>第二级</a:t>
             </a:r>
+            <a:endParaRPr lang="zh-CN" altLang="en-US"/>
           </a:p>
           <a:p>
             <a:pPr lvl="2"/>
@@ -4699,6 +4709,7 @@
               <a:rPr lang="zh-CN" altLang="en-US"/>
               <a:t>第三级</a:t>
             </a:r>
+            <a:endParaRPr lang="zh-CN" altLang="en-US"/>
           </a:p>
           <a:p>
             <a:pPr lvl="3"/>
@@ -4706,6 +4717,7 @@
               <a:rPr lang="zh-CN" altLang="en-US"/>
               <a:t>第四级</a:t>
             </a:r>
+            <a:endParaRPr lang="zh-CN" altLang="en-US"/>
           </a:p>
           <a:p>
             <a:pPr lvl="4"/>
@@ -4713,6 +4725,7 @@
               <a:rPr lang="zh-CN" altLang="en-US"/>
               <a:t>第五级</a:t>
             </a:r>
+            <a:endParaRPr lang="zh-CN" altLang="en-US"/>
           </a:p>
         </p:txBody>
       </p:sp>
@@ -4720,7 +4733,7 @@
         <p:nvSpPr>
           <p:cNvPr id="5" name="文本占位符 4"/>
           <p:cNvSpPr>
-            <a:spLocks noGrp="1"/>
+            <a:spLocks noGrp="true"/>
           </p:cNvSpPr>
           <p:nvPr>
             <p:ph type="body" sz="quarter" idx="3"/>
@@ -4778,6 +4791,7 @@
               <a:rPr lang="zh-CN" altLang="en-US"/>
               <a:t>单击此处编辑母版文本样式</a:t>
             </a:r>
+            <a:endParaRPr lang="zh-CN" altLang="en-US"/>
           </a:p>
         </p:txBody>
       </p:sp>
@@ -4785,7 +4799,7 @@
         <p:nvSpPr>
           <p:cNvPr id="6" name="内容占位符 5"/>
           <p:cNvSpPr>
-            <a:spLocks noGrp="1"/>
+            <a:spLocks noGrp="true"/>
           </p:cNvSpPr>
           <p:nvPr>
             <p:ph sz="quarter" idx="4"/>
@@ -4834,6 +4848,7 @@
               <a:rPr lang="zh-CN" altLang="en-US"/>
               <a:t>单击此处编辑母版文本样式</a:t>
             </a:r>
+            <a:endParaRPr lang="zh-CN" altLang="en-US"/>
           </a:p>
           <a:p>
             <a:pPr lvl="1"/>
@@ -4841,6 +4856,7 @@
               <a:rPr lang="zh-CN" altLang="en-US"/>
               <a:t>第二级</a:t>
             </a:r>
+            <a:endParaRPr lang="zh-CN" altLang="en-US"/>
           </a:p>
           <a:p>
             <a:pPr lvl="2"/>
@@ -4848,6 +4864,7 @@
               <a:rPr lang="zh-CN" altLang="en-US"/>
               <a:t>第三级</a:t>
             </a:r>
+            <a:endParaRPr lang="zh-CN" altLang="en-US"/>
           </a:p>
           <a:p>
             <a:pPr lvl="3"/>
@@ -4855,6 +4872,7 @@
               <a:rPr lang="zh-CN" altLang="en-US"/>
               <a:t>第四级</a:t>
             </a:r>
+            <a:endParaRPr lang="zh-CN" altLang="en-US"/>
           </a:p>
           <a:p>
             <a:pPr lvl="4"/>
@@ -4862,6 +4880,7 @@
               <a:rPr lang="zh-CN" altLang="en-US"/>
               <a:t>第五级</a:t>
             </a:r>
+            <a:endParaRPr lang="zh-CN" altLang="en-US"/>
           </a:p>
         </p:txBody>
       </p:sp>
@@ -4869,7 +4888,7 @@
         <p:nvSpPr>
           <p:cNvPr id="7" name="Rectangle 3"/>
           <p:cNvSpPr>
-            <a:spLocks noGrp="1" noChangeArrowheads="1"/>
+            <a:spLocks noGrp="true" noChangeArrowheads="true"/>
           </p:cNvSpPr>
           <p:nvPr>
             <p:ph type="ftr" sz="quarter" idx="10"/>
@@ -4899,7 +4918,7 @@
         <p:nvSpPr>
           <p:cNvPr id="8" name="Rectangle 4"/>
           <p:cNvSpPr>
-            <a:spLocks noGrp="1" noChangeArrowheads="1"/>
+            <a:spLocks noGrp="true" noChangeArrowheads="true"/>
           </p:cNvSpPr>
           <p:nvPr>
             <p:ph type="sldNum" sz="quarter" idx="11"/>
@@ -4919,7 +4938,6 @@
             </a:pPr>
             <a:fld id="{1D80709B-F1A9-4DDF-BAC3-C10F1E547466}" type="slidenum">
               <a:rPr lang="en-US" altLang="zh-CN"/>
-              <a:t>‹#›</a:t>
             </a:fld>
             <a:endParaRPr lang="en-US" altLang="zh-CN"/>
           </a:p>
@@ -4929,7 +4947,7 @@
         <p:nvSpPr>
           <p:cNvPr id="9" name="Rectangle 7"/>
           <p:cNvSpPr>
-            <a:spLocks noGrp="1" noChangeArrowheads="1"/>
+            <a:spLocks noGrp="true" noChangeArrowheads="true"/>
           </p:cNvSpPr>
           <p:nvPr>
             <p:ph type="dt" sz="half" idx="12"/>
@@ -4984,7 +5002,7 @@
         <p:nvSpPr>
           <p:cNvPr id="2" name="标题 1"/>
           <p:cNvSpPr>
-            <a:spLocks noGrp="1"/>
+            <a:spLocks noGrp="true"/>
           </p:cNvSpPr>
           <p:nvPr>
             <p:ph type="title"/>
@@ -4999,6 +5017,7 @@
               <a:rPr lang="zh-CN" altLang="en-US"/>
               <a:t>单击此处编辑母版标题样式</a:t>
             </a:r>
+            <a:endParaRPr lang="zh-CN" altLang="en-US"/>
           </a:p>
         </p:txBody>
       </p:sp>
@@ -5006,7 +5025,7 @@
         <p:nvSpPr>
           <p:cNvPr id="3" name="Rectangle 3"/>
           <p:cNvSpPr>
-            <a:spLocks noGrp="1" noChangeArrowheads="1"/>
+            <a:spLocks noGrp="true" noChangeArrowheads="true"/>
           </p:cNvSpPr>
           <p:nvPr>
             <p:ph type="ftr" sz="quarter" idx="10"/>
@@ -5036,7 +5055,7 @@
         <p:nvSpPr>
           <p:cNvPr id="4" name="Rectangle 4"/>
           <p:cNvSpPr>
-            <a:spLocks noGrp="1" noChangeArrowheads="1"/>
+            <a:spLocks noGrp="true" noChangeArrowheads="true"/>
           </p:cNvSpPr>
           <p:nvPr>
             <p:ph type="sldNum" sz="quarter" idx="11"/>
@@ -5056,7 +5075,6 @@
             </a:pPr>
             <a:fld id="{450B37E2-86D8-4345-9335-8919582BF1E7}" type="slidenum">
               <a:rPr lang="en-US" altLang="zh-CN"/>
-              <a:t>‹#›</a:t>
             </a:fld>
             <a:endParaRPr lang="en-US" altLang="zh-CN"/>
           </a:p>
@@ -5066,7 +5084,7 @@
         <p:nvSpPr>
           <p:cNvPr id="5" name="Rectangle 7"/>
           <p:cNvSpPr>
-            <a:spLocks noGrp="1" noChangeArrowheads="1"/>
+            <a:spLocks noGrp="true" noChangeArrowheads="true"/>
           </p:cNvSpPr>
           <p:nvPr>
             <p:ph type="dt" sz="half" idx="12"/>
@@ -5121,7 +5139,7 @@
         <p:nvSpPr>
           <p:cNvPr id="2" name="Rectangle 3"/>
           <p:cNvSpPr>
-            <a:spLocks noGrp="1" noChangeArrowheads="1"/>
+            <a:spLocks noGrp="true" noChangeArrowheads="true"/>
           </p:cNvSpPr>
           <p:nvPr>
             <p:ph type="ftr" sz="quarter" idx="10"/>
@@ -5151,7 +5169,7 @@
         <p:nvSpPr>
           <p:cNvPr id="3" name="Rectangle 4"/>
           <p:cNvSpPr>
-            <a:spLocks noGrp="1" noChangeArrowheads="1"/>
+            <a:spLocks noGrp="true" noChangeArrowheads="true"/>
           </p:cNvSpPr>
           <p:nvPr>
             <p:ph type="sldNum" sz="quarter" idx="11"/>
@@ -5171,7 +5189,6 @@
             </a:pPr>
             <a:fld id="{DC6CF971-EC33-4ABE-AB76-D3A335D3D65D}" type="slidenum">
               <a:rPr lang="en-US" altLang="zh-CN"/>
-              <a:t>‹#›</a:t>
             </a:fld>
             <a:endParaRPr lang="en-US" altLang="zh-CN"/>
           </a:p>
@@ -5206,7 +5223,7 @@
         <p:nvSpPr>
           <p:cNvPr id="2" name="标题 1"/>
           <p:cNvSpPr>
-            <a:spLocks noGrp="1"/>
+            <a:spLocks noGrp="true"/>
           </p:cNvSpPr>
           <p:nvPr>
             <p:ph type="title"/>
@@ -5230,6 +5247,7 @@
               <a:rPr lang="zh-CN" altLang="en-US" dirty="0"/>
               <a:t>单击此处编辑母版标题样式</a:t>
             </a:r>
+            <a:endParaRPr lang="zh-CN" altLang="en-US" dirty="0"/>
           </a:p>
         </p:txBody>
       </p:sp>
@@ -5237,7 +5255,7 @@
         <p:nvSpPr>
           <p:cNvPr id="3" name="内容占位符 2"/>
           <p:cNvSpPr>
-            <a:spLocks noGrp="1"/>
+            <a:spLocks noGrp="true"/>
           </p:cNvSpPr>
           <p:nvPr>
             <p:ph idx="1"/>
@@ -5286,6 +5304,7 @@
               <a:rPr lang="zh-CN" altLang="en-US" dirty="0"/>
               <a:t>单击此处编辑母版文本样式</a:t>
             </a:r>
+            <a:endParaRPr lang="zh-CN" altLang="en-US" dirty="0"/>
           </a:p>
           <a:p>
             <a:pPr lvl="1"/>
@@ -5293,6 +5312,7 @@
               <a:rPr lang="zh-CN" altLang="en-US" dirty="0"/>
               <a:t>第二级</a:t>
             </a:r>
+            <a:endParaRPr lang="zh-CN" altLang="en-US" dirty="0"/>
           </a:p>
           <a:p>
             <a:pPr lvl="2"/>
@@ -5300,6 +5320,7 @@
               <a:rPr lang="zh-CN" altLang="en-US" dirty="0"/>
               <a:t>第三级</a:t>
             </a:r>
+            <a:endParaRPr lang="zh-CN" altLang="en-US" dirty="0"/>
           </a:p>
           <a:p>
             <a:pPr lvl="3"/>
@@ -5307,6 +5328,7 @@
               <a:rPr lang="zh-CN" altLang="en-US" dirty="0"/>
               <a:t>第四级</a:t>
             </a:r>
+            <a:endParaRPr lang="zh-CN" altLang="en-US" dirty="0"/>
           </a:p>
           <a:p>
             <a:pPr lvl="4"/>
@@ -5314,6 +5336,7 @@
               <a:rPr lang="zh-CN" altLang="en-US" dirty="0"/>
               <a:t>第五级</a:t>
             </a:r>
+            <a:endParaRPr lang="zh-CN" altLang="en-US" dirty="0"/>
           </a:p>
         </p:txBody>
       </p:sp>
@@ -5321,7 +5344,7 @@
         <p:nvSpPr>
           <p:cNvPr id="4" name="文本占位符 3"/>
           <p:cNvSpPr>
-            <a:spLocks noGrp="1"/>
+            <a:spLocks noGrp="true"/>
           </p:cNvSpPr>
           <p:nvPr>
             <p:ph type="body" sz="half" idx="2"/>
@@ -5379,6 +5402,7 @@
               <a:rPr lang="zh-CN" altLang="en-US"/>
               <a:t>单击此处编辑母版文本样式</a:t>
             </a:r>
+            <a:endParaRPr lang="zh-CN" altLang="en-US"/>
           </a:p>
         </p:txBody>
       </p:sp>
@@ -5386,7 +5410,7 @@
         <p:nvSpPr>
           <p:cNvPr id="5" name="Rectangle 3"/>
           <p:cNvSpPr>
-            <a:spLocks noGrp="1" noChangeArrowheads="1"/>
+            <a:spLocks noGrp="true" noChangeArrowheads="true"/>
           </p:cNvSpPr>
           <p:nvPr>
             <p:ph type="ftr" sz="quarter" idx="10"/>
@@ -5416,7 +5440,7 @@
         <p:nvSpPr>
           <p:cNvPr id="6" name="Rectangle 4"/>
           <p:cNvSpPr>
-            <a:spLocks noGrp="1" noChangeArrowheads="1"/>
+            <a:spLocks noGrp="true" noChangeArrowheads="true"/>
           </p:cNvSpPr>
           <p:nvPr>
             <p:ph type="sldNum" sz="quarter" idx="11"/>
@@ -5436,7 +5460,6 @@
             </a:pPr>
             <a:fld id="{76A983AB-76D1-4FAA-9778-901A3E151048}" type="slidenum">
               <a:rPr lang="en-US" altLang="zh-CN"/>
-              <a:t>‹#›</a:t>
             </a:fld>
             <a:endParaRPr lang="en-US" altLang="zh-CN"/>
           </a:p>
@@ -5471,7 +5494,7 @@
         <p:nvSpPr>
           <p:cNvPr id="2" name="标题 1"/>
           <p:cNvSpPr>
-            <a:spLocks noGrp="1"/>
+            <a:spLocks noGrp="true"/>
           </p:cNvSpPr>
           <p:nvPr>
             <p:ph type="title"/>
@@ -5495,6 +5518,7 @@
               <a:rPr lang="zh-CN" altLang="en-US"/>
               <a:t>单击此处编辑母版标题样式</a:t>
             </a:r>
+            <a:endParaRPr lang="zh-CN" altLang="en-US"/>
           </a:p>
         </p:txBody>
       </p:sp>
@@ -5502,7 +5526,7 @@
         <p:nvSpPr>
           <p:cNvPr id="3" name="图片占位符 2"/>
           <p:cNvSpPr>
-            <a:spLocks noGrp="1"/>
+            <a:spLocks noGrp="true"/>
           </p:cNvSpPr>
           <p:nvPr>
             <p:ph type="pic" idx="1"/>
@@ -5564,7 +5588,7 @@
         <p:nvSpPr>
           <p:cNvPr id="4" name="文本占位符 3"/>
           <p:cNvSpPr>
-            <a:spLocks noGrp="1"/>
+            <a:spLocks noGrp="true"/>
           </p:cNvSpPr>
           <p:nvPr>
             <p:ph type="body" sz="half" idx="2"/>
@@ -5622,6 +5646,7 @@
               <a:rPr lang="zh-CN" altLang="en-US"/>
               <a:t>单击此处编辑母版文本样式</a:t>
             </a:r>
+            <a:endParaRPr lang="zh-CN" altLang="en-US"/>
           </a:p>
         </p:txBody>
       </p:sp>
@@ -5629,7 +5654,7 @@
         <p:nvSpPr>
           <p:cNvPr id="5" name="Rectangle 3"/>
           <p:cNvSpPr>
-            <a:spLocks noGrp="1" noChangeArrowheads="1"/>
+            <a:spLocks noGrp="true" noChangeArrowheads="true"/>
           </p:cNvSpPr>
           <p:nvPr>
             <p:ph type="ftr" sz="quarter" idx="10"/>
@@ -5659,7 +5684,7 @@
         <p:nvSpPr>
           <p:cNvPr id="6" name="Rectangle 4"/>
           <p:cNvSpPr>
-            <a:spLocks noGrp="1" noChangeArrowheads="1"/>
+            <a:spLocks noGrp="true" noChangeArrowheads="true"/>
           </p:cNvSpPr>
           <p:nvPr>
             <p:ph type="sldNum" sz="quarter" idx="11"/>
@@ -5679,7 +5704,6 @@
             </a:pPr>
             <a:fld id="{002616F8-A403-4595-BEE4-4C8CD619BDCC}" type="slidenum">
               <a:rPr lang="en-US" altLang="zh-CN"/>
-              <a:t>‹#›</a:t>
             </a:fld>
             <a:endParaRPr lang="en-US" altLang="zh-CN"/>
           </a:p>
@@ -5722,7 +5746,7 @@
         <p:nvSpPr>
           <p:cNvPr id="17411" name="Rectangle 3"/>
           <p:cNvSpPr>
-            <a:spLocks noGrp="1" noChangeArrowheads="1"/>
+            <a:spLocks noGrp="true" noChangeArrowheads="true"/>
           </p:cNvSpPr>
           <p:nvPr>
             <p:ph type="ftr" sz="quarter" idx="3"/>
@@ -5744,7 +5768,7 @@
           <a:effectLst/>
         </p:spPr>
         <p:txBody>
-          <a:bodyPr vert="horz" wrap="square" lIns="91440" tIns="45720" rIns="91440" bIns="45720" numCol="1" anchor="b" anchorCtr="0" compatLnSpc="1"/>
+          <a:bodyPr vert="horz" wrap="square" lIns="91440" tIns="45720" rIns="91440" bIns="45720" numCol="1" anchor="b" anchorCtr="false" compatLnSpc="true"/>
           <a:lstStyle>
             <a:lvl1pPr algn="ctr" eaLnBrk="1" hangingPunct="1">
               <a:defRPr lang="zh-CN" altLang="en-US" sz="1400" kern="1200" dirty="0">
@@ -5767,6 +5791,7 @@
               <a:rPr lang="zh-CN" altLang="en-US" dirty="0"/>
               <a:t>项目进展汇报</a:t>
             </a:r>
+            <a:endParaRPr lang="zh-CN" altLang="en-US" dirty="0"/>
           </a:p>
         </p:txBody>
       </p:sp>
@@ -5774,7 +5799,7 @@
         <p:nvSpPr>
           <p:cNvPr id="17412" name="Rectangle 4"/>
           <p:cNvSpPr>
-            <a:spLocks noGrp="1" noChangeArrowheads="1"/>
+            <a:spLocks noGrp="true" noChangeArrowheads="true"/>
           </p:cNvSpPr>
           <p:nvPr>
             <p:ph type="sldNum" sz="quarter" idx="4"/>
@@ -5796,7 +5821,7 @@
           <a:effectLst/>
         </p:spPr>
         <p:txBody>
-          <a:bodyPr vert="horz" wrap="square" lIns="91440" tIns="45720" rIns="91440" bIns="45720" numCol="1" anchor="b" anchorCtr="0" compatLnSpc="1"/>
+          <a:bodyPr vert="horz" wrap="square" lIns="91440" tIns="45720" rIns="91440" bIns="45720" numCol="1" anchor="b" anchorCtr="false" compatLnSpc="true"/>
           <a:lstStyle>
             <a:lvl1pPr algn="r" eaLnBrk="1" hangingPunct="1">
               <a:defRPr sz="1400">
@@ -5811,7 +5836,6 @@
             </a:pPr>
             <a:fld id="{769DFE80-C737-4FBC-B4CA-FAAEE69D1050}" type="slidenum">
               <a:rPr lang="en-US" altLang="zh-CN" smtClean="0"/>
-              <a:t>‹#›</a:t>
             </a:fld>
             <a:endParaRPr lang="en-US" altLang="zh-CN" dirty="0"/>
           </a:p>
@@ -5821,7 +5845,7 @@
         <p:nvSpPr>
           <p:cNvPr id="1028" name="Rectangle 5"/>
           <p:cNvSpPr>
-            <a:spLocks noGrp="1" noChangeArrowheads="1"/>
+            <a:spLocks noGrp="true" noChangeArrowheads="true"/>
           </p:cNvSpPr>
           <p:nvPr>
             <p:ph type="title"/>
@@ -5860,7 +5884,7 @@
           </a:extLst>
         </p:spPr>
         <p:txBody>
-          <a:bodyPr vert="horz" wrap="square" lIns="91440" tIns="45720" rIns="91440" bIns="45720" numCol="1" anchor="ctr" anchorCtr="0" compatLnSpc="1"/>
+          <a:bodyPr vert="horz" wrap="square" lIns="91440" tIns="45720" rIns="91440" bIns="45720" numCol="1" anchor="ctr" anchorCtr="false" compatLnSpc="true"/>
           <a:lstStyle/>
           <a:p>
             <a:pPr lvl="0"/>
@@ -5868,6 +5892,7 @@
               <a:rPr lang="zh-CN" altLang="en-US" dirty="0"/>
               <a:t>单击此处编辑母版标题样式</a:t>
             </a:r>
+            <a:endParaRPr lang="zh-CN" altLang="en-US" dirty="0"/>
           </a:p>
         </p:txBody>
       </p:sp>
@@ -5875,7 +5900,7 @@
         <p:nvSpPr>
           <p:cNvPr id="1029" name="Rectangle 6"/>
           <p:cNvSpPr>
-            <a:spLocks noGrp="1" noChangeArrowheads="1"/>
+            <a:spLocks noGrp="true" noChangeArrowheads="true"/>
           </p:cNvSpPr>
           <p:nvPr>
             <p:ph type="body" idx="1"/>
@@ -5914,7 +5939,7 @@
           </a:extLst>
         </p:spPr>
         <p:txBody>
-          <a:bodyPr vert="horz" wrap="square" lIns="91440" tIns="45720" rIns="91440" bIns="45720" numCol="1" anchor="t" anchorCtr="0" compatLnSpc="1"/>
+          <a:bodyPr vert="horz" wrap="square" lIns="91440" tIns="45720" rIns="91440" bIns="45720" numCol="1" anchor="t" anchorCtr="false" compatLnSpc="true"/>
           <a:lstStyle/>
           <a:p>
             <a:pPr lvl="0"/>
@@ -5922,6 +5947,7 @@
               <a:rPr lang="zh-CN" altLang="en-US" dirty="0"/>
               <a:t>单击此处编辑母版文本样式</a:t>
             </a:r>
+            <a:endParaRPr lang="zh-CN" altLang="en-US" dirty="0"/>
           </a:p>
           <a:p>
             <a:pPr lvl="1"/>
@@ -5929,6 +5955,7 @@
               <a:rPr lang="zh-CN" altLang="en-US" dirty="0"/>
               <a:t>第二级</a:t>
             </a:r>
+            <a:endParaRPr lang="zh-CN" altLang="en-US" dirty="0"/>
           </a:p>
           <a:p>
             <a:pPr lvl="2"/>
@@ -5936,6 +5963,7 @@
               <a:rPr lang="zh-CN" altLang="en-US" dirty="0"/>
               <a:t>第三级</a:t>
             </a:r>
+            <a:endParaRPr lang="zh-CN" altLang="en-US" dirty="0"/>
           </a:p>
           <a:p>
             <a:pPr lvl="3"/>
@@ -5943,6 +5971,7 @@
               <a:rPr lang="zh-CN" altLang="en-US" dirty="0"/>
               <a:t>第四级</a:t>
             </a:r>
+            <a:endParaRPr lang="zh-CN" altLang="en-US" dirty="0"/>
           </a:p>
           <a:p>
             <a:pPr lvl="4"/>
@@ -5950,6 +5979,7 @@
               <a:rPr lang="zh-CN" altLang="en-US" dirty="0"/>
               <a:t>第五级</a:t>
             </a:r>
+            <a:endParaRPr lang="zh-CN" altLang="en-US" dirty="0"/>
           </a:p>
         </p:txBody>
       </p:sp>
@@ -5957,7 +5987,7 @@
         <p:nvSpPr>
           <p:cNvPr id="17415" name="Rectangle 7"/>
           <p:cNvSpPr>
-            <a:spLocks noGrp="1" noChangeArrowheads="1"/>
+            <a:spLocks noGrp="true" noChangeArrowheads="true"/>
           </p:cNvSpPr>
           <p:nvPr>
             <p:ph type="dt" sz="half" idx="2"/>
@@ -5979,7 +6009,7 @@
           <a:effectLst/>
         </p:spPr>
         <p:txBody>
-          <a:bodyPr vert="horz" wrap="square" lIns="91440" tIns="45720" rIns="91440" bIns="45720" numCol="1" anchor="b" anchorCtr="0" compatLnSpc="1"/>
+          <a:bodyPr vert="horz" wrap="square" lIns="91440" tIns="45720" rIns="91440" bIns="45720" numCol="1" anchor="b" anchorCtr="false" compatLnSpc="true"/>
           <a:lstStyle>
             <a:lvl1pPr eaLnBrk="1" hangingPunct="1">
               <a:defRPr sz="1400">
@@ -6009,7 +6039,7 @@
         <p:nvSpPr>
           <p:cNvPr id="1033" name="Rectangle 19"/>
           <p:cNvSpPr>
-            <a:spLocks noChangeArrowheads="1"/>
+            <a:spLocks noChangeArrowheads="true"/>
           </p:cNvSpPr>
           <p:nvPr/>
         </p:nvSpPr>
@@ -6021,7 +6051,7 @@
           <a:prstGeom prst="rect">
             <a:avLst/>
           </a:prstGeom>
-          <a:gradFill rotWithShape="0">
+          <a:gradFill rotWithShape="false">
             <a:gsLst>
               <a:gs pos="0">
                 <a:schemeClr val="bg2"/>
@@ -6030,7 +6060,7 @@
                 <a:schemeClr val="bg1"/>
               </a:gs>
             </a:gsLst>
-            <a:lin ang="0" scaled="1"/>
+            <a:lin ang="0" scaled="true"/>
           </a:gradFill>
           <a:ln>
             <a:noFill/>
@@ -6171,7 +6201,7 @@
         <p:nvGrpSpPr>
           <p:cNvPr id="1032" name="Group 8"/>
           <p:cNvGrpSpPr/>
-          <p:nvPr userDrawn="1"/>
+          <p:nvPr userDrawn="true"/>
         </p:nvGrpSpPr>
         <p:grpSpPr bwMode="auto">
           <a:xfrm>
@@ -6185,9 +6215,9 @@
           <p:nvSpPr>
             <p:cNvPr id="22" name="Rectangle 9"/>
             <p:cNvSpPr>
-              <a:spLocks noChangeArrowheads="1"/>
+              <a:spLocks noChangeArrowheads="true"/>
             </p:cNvSpPr>
-            <p:nvPr userDrawn="1"/>
+            <p:nvPr userDrawn="true"/>
           </p:nvSpPr>
           <p:spPr bwMode="auto">
             <a:xfrm>
@@ -6339,9 +6369,9 @@
           <p:nvSpPr>
             <p:cNvPr id="23" name="Rectangle 10"/>
             <p:cNvSpPr>
-              <a:spLocks noChangeArrowheads="1"/>
+              <a:spLocks noChangeArrowheads="true"/>
             </p:cNvSpPr>
-            <p:nvPr userDrawn="1"/>
+            <p:nvPr userDrawn="true"/>
           </p:nvSpPr>
           <p:spPr bwMode="auto">
             <a:xfrm>
@@ -6493,9 +6523,9 @@
           <p:nvSpPr>
             <p:cNvPr id="24" name="Rectangle 11"/>
             <p:cNvSpPr>
-              <a:spLocks noChangeArrowheads="1"/>
+              <a:spLocks noChangeArrowheads="true"/>
             </p:cNvSpPr>
-            <p:nvPr userDrawn="1"/>
+            <p:nvPr userDrawn="true"/>
           </p:nvSpPr>
           <p:spPr bwMode="auto">
             <a:xfrm>
@@ -6647,9 +6677,9 @@
           <p:nvSpPr>
             <p:cNvPr id="25" name="Rectangle 12"/>
             <p:cNvSpPr>
-              <a:spLocks noChangeArrowheads="1"/>
+              <a:spLocks noChangeArrowheads="true"/>
             </p:cNvSpPr>
-            <p:nvPr userDrawn="1"/>
+            <p:nvPr userDrawn="true"/>
           </p:nvSpPr>
           <p:spPr bwMode="auto">
             <a:xfrm>
@@ -6801,9 +6831,9 @@
           <p:nvSpPr>
             <p:cNvPr id="26" name="Rectangle 13"/>
             <p:cNvSpPr>
-              <a:spLocks noChangeArrowheads="1"/>
+              <a:spLocks noChangeArrowheads="true"/>
             </p:cNvSpPr>
-            <p:nvPr userDrawn="1"/>
+            <p:nvPr userDrawn="true"/>
           </p:nvSpPr>
           <p:spPr bwMode="auto">
             <a:xfrm>
@@ -6955,9 +6985,9 @@
           <p:nvSpPr>
             <p:cNvPr id="27" name="Rectangle 14"/>
             <p:cNvSpPr>
-              <a:spLocks noChangeArrowheads="1"/>
+              <a:spLocks noChangeArrowheads="true"/>
             </p:cNvSpPr>
-            <p:nvPr userDrawn="1"/>
+            <p:nvPr userDrawn="true"/>
           </p:nvSpPr>
           <p:spPr bwMode="auto">
             <a:xfrm>
@@ -7109,9 +7139,9 @@
           <p:nvSpPr>
             <p:cNvPr id="28" name="Rectangle 15"/>
             <p:cNvSpPr>
-              <a:spLocks noChangeArrowheads="1"/>
+              <a:spLocks noChangeArrowheads="true"/>
             </p:cNvSpPr>
-            <p:nvPr userDrawn="1"/>
+            <p:nvPr userDrawn="true"/>
           </p:nvSpPr>
           <p:spPr bwMode="auto">
             <a:xfrm>
@@ -7263,9 +7293,9 @@
           <p:nvSpPr>
             <p:cNvPr id="29" name="Rectangle 16"/>
             <p:cNvSpPr>
-              <a:spLocks noChangeArrowheads="1"/>
+              <a:spLocks noChangeArrowheads="true"/>
             </p:cNvSpPr>
-            <p:nvPr userDrawn="1"/>
+            <p:nvPr userDrawn="true"/>
           </p:nvSpPr>
           <p:spPr bwMode="auto">
             <a:xfrm>
@@ -7417,9 +7447,9 @@
           <p:nvSpPr>
             <p:cNvPr id="30" name="Rectangle 17"/>
             <p:cNvSpPr>
-              <a:spLocks noChangeArrowheads="1"/>
+              <a:spLocks noChangeArrowheads="true"/>
             </p:cNvSpPr>
-            <p:nvPr userDrawn="1"/>
+            <p:nvPr userDrawn="true"/>
           </p:nvSpPr>
           <p:spPr bwMode="auto">
             <a:xfrm>
@@ -7571,9 +7601,9 @@
           <p:nvSpPr>
             <p:cNvPr id="31" name="Rectangle 18"/>
             <p:cNvSpPr>
-              <a:spLocks noChangeArrowheads="1"/>
+              <a:spLocks noChangeArrowheads="true"/>
             </p:cNvSpPr>
-            <p:nvPr userDrawn="1"/>
+            <p:nvPr userDrawn="true"/>
           </p:nvSpPr>
           <p:spPr bwMode="auto">
             <a:xfrm>
@@ -7726,15 +7756,15 @@
         <p:nvPicPr>
           <p:cNvPr id="2" name="Picture 20" descr="hust2"/>
           <p:cNvPicPr>
-            <a:picLocks noChangeAspect="1" noChangeArrowheads="1"/>
+            <a:picLocks noChangeAspect="true" noChangeArrowheads="true"/>
           </p:cNvPicPr>
-          <p:nvPr userDrawn="1"/>
+          <p:nvPr userDrawn="true"/>
         </p:nvPicPr>
         <p:blipFill>
-          <a:blip r:embed="rId13" cstate="print">
+          <a:blip r:embed="rId12" cstate="print">
             <a:extLst>
               <a:ext uri="{28A0092B-C50C-407E-A947-70E740481C1C}">
-                <a14:useLocalDpi xmlns:a14="http://schemas.microsoft.com/office/drawing/2010/main" val="0"/>
+                <a14:useLocalDpi xmlns:a14="http://schemas.microsoft.com/office/drawing/2010/main" val="false"/>
               </a:ext>
             </a:extLst>
           </a:blip>
@@ -7780,15 +7810,15 @@
         <p:nvPicPr>
           <p:cNvPr id="32" name="图片 31"/>
           <p:cNvPicPr>
-            <a:picLocks noChangeAspect="1"/>
+            <a:picLocks noChangeAspect="true"/>
           </p:cNvPicPr>
-          <p:nvPr userDrawn="1"/>
+          <p:nvPr userDrawn="true"/>
         </p:nvPicPr>
         <p:blipFill>
-          <a:blip r:embed="rId14" cstate="print">
+          <a:blip r:embed="rId13" cstate="print">
             <a:extLst>
               <a:ext uri="{28A0092B-C50C-407E-A947-70E740481C1C}">
-                <a14:useLocalDpi xmlns:a14="http://schemas.microsoft.com/office/drawing/2010/main" val="0"/>
+                <a14:useLocalDpi xmlns:a14="http://schemas.microsoft.com/office/drawing/2010/main" val="false"/>
               </a:ext>
             </a:extLst>
           </a:blip>
@@ -8284,7 +8314,7 @@
         <p:nvSpPr>
           <p:cNvPr id="2" name="标题 1"/>
           <p:cNvSpPr>
-            <a:spLocks noGrp="1"/>
+            <a:spLocks noGrp="true"/>
           </p:cNvSpPr>
           <p:nvPr>
             <p:ph type="ctrTitle"/>
@@ -8302,22 +8332,16 @@
           <a:p>
             <a:r>
               <a:rPr lang="zh-CN" altLang="en-US" dirty="0"/>
-              <a:t>基于姿态的模拟手写笔</a:t>
-            </a:r>
-            <a:br>
-              <a:rPr lang="zh-CN" altLang="en-US" dirty="0"/>
-            </a:br>
-            <a:r>
-              <a:rPr lang="zh-CN" altLang="en-US" dirty="0"/>
-              <a:t>第一次需求澄清</a:t>
-            </a:r>
+              <a:t>体感手写笔</a:t>
+            </a:r>
+            <a:endParaRPr lang="zh-CN" altLang="en-US" dirty="0"/>
           </a:p>
         </p:txBody>
       </p:sp>
       <p:sp>
         <p:nvSpPr>
           <p:cNvPr id="3" name="文本框 2"/>
-          <p:cNvSpPr txBox="1"/>
+          <p:cNvSpPr txBox="true"/>
           <p:nvPr/>
         </p:nvSpPr>
         <p:spPr>
@@ -8344,8 +8368,15 @@
                 <a:latin typeface="华文行楷" panose="02010800040101010101" pitchFamily="2" charset="-122"/>
                 <a:ea typeface="华文行楷" panose="02010800040101010101" pitchFamily="2" charset="-122"/>
               </a:rPr>
-              <a:t>组内成员：李瑞源，董瑞华，卢苇</a:t>
-            </a:r>
+              <a:t>组内成员：李瑞源，董瑞华，卢玮</a:t>
+            </a:r>
+            <a:endParaRPr lang="zh-CN" altLang="en-US" sz="3200" b="1" dirty="0">
+              <a:solidFill>
+                <a:srgbClr val="124A88"/>
+              </a:solidFill>
+              <a:latin typeface="华文行楷" panose="02010800040101010101" pitchFamily="2" charset="-122"/>
+              <a:ea typeface="华文行楷" panose="02010800040101010101" pitchFamily="2" charset="-122"/>
+            </a:endParaRPr>
           </a:p>
         </p:txBody>
       </p:sp>
@@ -8378,7 +8409,7 @@
         <p:nvSpPr>
           <p:cNvPr id="2" name="标题 1"/>
           <p:cNvSpPr>
-            <a:spLocks noGrp="1"/>
+            <a:spLocks noGrp="true"/>
           </p:cNvSpPr>
           <p:nvPr>
             <p:ph type="title"/>
@@ -8393,6 +8424,7 @@
               <a:rPr lang="zh-CN" altLang="en-US" dirty="0"/>
               <a:t>设计初衷</a:t>
             </a:r>
+            <a:endParaRPr lang="zh-CN" altLang="en-US" dirty="0"/>
           </a:p>
         </p:txBody>
       </p:sp>
@@ -8400,7 +8432,7 @@
         <p:nvSpPr>
           <p:cNvPr id="3" name="内容占位符 2"/>
           <p:cNvSpPr>
-            <a:spLocks noGrp="1"/>
+            <a:spLocks noGrp="true"/>
           </p:cNvSpPr>
           <p:nvPr>
             <p:ph idx="1"/>
@@ -8429,6 +8461,7 @@
               <a:rPr lang="zh-CN" altLang="en-US" sz="2800" dirty="0"/>
               <a:t>上进行手写、绘图等需要较多的外设条件</a:t>
             </a:r>
+            <a:endParaRPr lang="zh-CN" altLang="en-US" sz="2800" dirty="0"/>
           </a:p>
           <a:p>
             <a:pPr lvl="1"/>
@@ -8436,6 +8469,7 @@
               <a:rPr lang="zh-CN" altLang="en-US" sz="2330" dirty="0"/>
               <a:t>数位板，手写笔，触摸屏等</a:t>
             </a:r>
+            <a:endParaRPr lang="zh-CN" altLang="en-US" sz="2330" dirty="0"/>
           </a:p>
           <a:p>
             <a:pPr lvl="0"/>
@@ -8443,6 +8477,7 @@
               <a:rPr lang="zh-CN" altLang="en-US" sz="2800" dirty="0"/>
               <a:t>使用手写笔来进行操作，存在着笔尖磨损、屏幕磨损的问题</a:t>
             </a:r>
+            <a:endParaRPr lang="zh-CN" altLang="en-US" sz="2800" dirty="0"/>
           </a:p>
           <a:p>
             <a:pPr lvl="0"/>
@@ -8458,13 +8493,15 @@
               <a:rPr lang="zh-CN" altLang="en-US" sz="2800" dirty="0"/>
               <a:t>即可运行，不需要和屏幕直接接触以避免损耗，甚至没有严格的书写平面要求？</a:t>
             </a:r>
+            <a:endParaRPr lang="zh-CN" altLang="en-US" sz="2800" dirty="0"/>
           </a:p>
           <a:p>
             <a:pPr lvl="0"/>
             <a:r>
               <a:rPr lang="zh-CN" altLang="en-US" sz="2800" dirty="0"/>
-              <a:t>于是，基于姿态的模拟手写笔设想诞生了</a:t>
-            </a:r>
+              <a:t>于是，手写笔设想诞生了</a:t>
+            </a:r>
+            <a:endParaRPr lang="zh-CN" altLang="en-US" sz="2800" dirty="0"/>
           </a:p>
           <a:p>
             <a:pPr lvl="0"/>
@@ -8489,7 +8526,7 @@
         <p:nvSpPr>
           <p:cNvPr id="4" name="灯片编号占位符 3"/>
           <p:cNvSpPr>
-            <a:spLocks noGrp="1"/>
+            <a:spLocks noGrp="true"/>
           </p:cNvSpPr>
           <p:nvPr>
             <p:ph type="sldNum" sz="quarter" idx="11"/>
@@ -8505,7 +8542,6 @@
             </a:pPr>
             <a:fld id="{4E838731-E2DB-4284-83ED-693138A841F5}" type="slidenum">
               <a:rPr lang="en-US" altLang="zh-CN" smtClean="0"/>
-              <a:t>2</a:t>
             </a:fld>
             <a:endParaRPr lang="en-US" altLang="zh-CN"/>
           </a:p>
@@ -8515,7 +8551,7 @@
         <p:nvSpPr>
           <p:cNvPr id="5" name="日期占位符 4"/>
           <p:cNvSpPr>
-            <a:spLocks noGrp="1"/>
+            <a:spLocks noGrp="true"/>
           </p:cNvSpPr>
           <p:nvPr>
             <p:ph type="dt" sz="half" idx="12"/>
@@ -8534,32 +8570,6 @@
               <a:t>华中科技大学</a:t>
             </a:r>
             <a:endParaRPr lang="en-US" altLang="zh-CN" dirty="0"/>
-          </a:p>
-        </p:txBody>
-      </p:sp>
-      <p:sp>
-        <p:nvSpPr>
-          <p:cNvPr id="6" name="页脚占位符 5"/>
-          <p:cNvSpPr>
-            <a:spLocks noGrp="1"/>
-          </p:cNvSpPr>
-          <p:nvPr>
-            <p:ph type="ftr" sz="quarter" idx="10"/>
-          </p:nvPr>
-        </p:nvSpPr>
-        <p:spPr/>
-        <p:txBody>
-          <a:bodyPr/>
-          <a:lstStyle/>
-          <a:p>
-            <a:pPr>
-              <a:defRPr/>
-            </a:pPr>
-            <a:r>
-              <a:rPr lang="zh-CN" altLang="en-US"/>
-              <a:t>项目进展汇报</a:t>
-            </a:r>
-            <a:endParaRPr lang="en-US" altLang="zh-CN"/>
           </a:p>
         </p:txBody>
       </p:sp>
@@ -8592,7 +8602,7 @@
         <p:nvSpPr>
           <p:cNvPr id="4" name="灯片编号占位符 3"/>
           <p:cNvSpPr>
-            <a:spLocks noGrp="1"/>
+            <a:spLocks noGrp="true"/>
           </p:cNvSpPr>
           <p:nvPr>
             <p:ph type="sldNum" sz="quarter" idx="11"/>
@@ -8608,7 +8618,6 @@
             </a:pPr>
             <a:fld id="{4E838731-E2DB-4284-83ED-693138A841F5}" type="slidenum">
               <a:rPr lang="en-US" altLang="zh-CN" smtClean="0"/>
-              <a:t>3</a:t>
             </a:fld>
             <a:endParaRPr lang="en-US" altLang="zh-CN"/>
           </a:p>
@@ -8618,7 +8627,7 @@
         <p:nvSpPr>
           <p:cNvPr id="3" name="日期占位符 2"/>
           <p:cNvSpPr>
-            <a:spLocks noGrp="1"/>
+            <a:spLocks noGrp="true"/>
           </p:cNvSpPr>
           <p:nvPr>
             <p:ph type="dt" sz="half" idx="12"/>
@@ -8643,7 +8652,7 @@
       <p:sp>
         <p:nvSpPr>
           <p:cNvPr id="6" name="文本框 5"/>
-          <p:cNvSpPr txBox="1"/>
+          <p:cNvSpPr txBox="true"/>
           <p:nvPr/>
         </p:nvSpPr>
         <p:spPr>
@@ -8672,6 +8681,13 @@
               </a:rPr>
               <a:t>功能分析</a:t>
             </a:r>
+            <a:endParaRPr lang="zh-CN" altLang="en-US" sz="3600" b="1">
+              <a:solidFill>
+                <a:srgbClr val="0C0C83"/>
+              </a:solidFill>
+              <a:latin typeface="微软雅黑" panose="020B0503020204020204" pitchFamily="34" charset="-122"/>
+              <a:ea typeface="微软雅黑" panose="020B0503020204020204" pitchFamily="34" charset="-122"/>
+            </a:endParaRPr>
           </a:p>
           <a:p>
             <a:pPr marL="342900" indent="-342900">
@@ -8707,7 +8723,7 @@
         <p:nvSpPr>
           <p:cNvPr id="20" name="内容占位符 19"/>
           <p:cNvSpPr>
-            <a:spLocks noGrp="1"/>
+            <a:spLocks noGrp="true"/>
           </p:cNvSpPr>
           <p:nvPr>
             <p:ph idx="1"/>
@@ -8736,6 +8752,12 @@
               </a:rPr>
               <a:t>对于笔的姿态进行检测</a:t>
             </a:r>
+            <a:endParaRPr lang="zh-CN" altLang="en-US" sz="2800" dirty="0">
+              <a:latin typeface="微软雅黑" panose="020B0503020204020204" pitchFamily="34" charset="-122"/>
+              <a:ea typeface="微软雅黑" panose="020B0503020204020204" pitchFamily="34" charset="-122"/>
+              <a:cs typeface="微软雅黑" panose="020B0503020204020204" pitchFamily="34" charset="-122"/>
+              <a:sym typeface="+mn-ea"/>
+            </a:endParaRPr>
           </a:p>
           <a:p>
             <a:pPr lvl="1"/>
@@ -8755,6 +8777,12 @@
               </a:rPr>
               <a:t>所处的姿态进行分析，根据线速度以及角度计算出软件上光标应该移动的方向及距离</a:t>
             </a:r>
+            <a:endParaRPr lang="zh-CN" altLang="en-US" sz="1800" dirty="0">
+              <a:latin typeface="微软雅黑" panose="020B0503020204020204" pitchFamily="34" charset="-122"/>
+              <a:ea typeface="微软雅黑" panose="020B0503020204020204" pitchFamily="34" charset="-122"/>
+              <a:cs typeface="微软雅黑" panose="020B0503020204020204" pitchFamily="34" charset="-122"/>
+              <a:sym typeface="+mn-ea"/>
+            </a:endParaRPr>
           </a:p>
           <a:p>
             <a:pPr marL="342900" indent="-342900">
@@ -8770,6 +8798,12 @@
               </a:rPr>
               <a:t>信息的发送和接收</a:t>
             </a:r>
+            <a:endParaRPr lang="zh-CN" altLang="en-US" sz="2800" dirty="0">
+              <a:latin typeface="微软雅黑" panose="020B0503020204020204" pitchFamily="34" charset="-122"/>
+              <a:ea typeface="微软雅黑" panose="020B0503020204020204" pitchFamily="34" charset="-122"/>
+              <a:cs typeface="微软雅黑" panose="020B0503020204020204" pitchFamily="34" charset="-122"/>
+              <a:sym typeface="+mn-ea"/>
+            </a:endParaRPr>
           </a:p>
           <a:p>
             <a:pPr lvl="1"/>
@@ -8818,6 +8852,12 @@
               </a:rPr>
               <a:t>端</a:t>
             </a:r>
+            <a:endParaRPr lang="zh-CN" altLang="en-US" sz="1800" dirty="0">
+              <a:latin typeface="微软雅黑" panose="020B0503020204020204" pitchFamily="34" charset="-122"/>
+              <a:ea typeface="微软雅黑" panose="020B0503020204020204" pitchFamily="34" charset="-122"/>
+              <a:cs typeface="微软雅黑" panose="020B0503020204020204" pitchFamily="34" charset="-122"/>
+              <a:sym typeface="+mn-ea"/>
+            </a:endParaRPr>
           </a:p>
           <a:p>
             <a:pPr marL="342900" indent="-342900">
@@ -8842,6 +8882,12 @@
               </a:rPr>
               <a:t>端配套的软件</a:t>
             </a:r>
+            <a:endParaRPr lang="zh-CN" altLang="en-US" sz="2800" dirty="0">
+              <a:latin typeface="微软雅黑" panose="020B0503020204020204" pitchFamily="34" charset="-122"/>
+              <a:ea typeface="微软雅黑" panose="020B0503020204020204" pitchFamily="34" charset="-122"/>
+              <a:cs typeface="微软雅黑" panose="020B0503020204020204" pitchFamily="34" charset="-122"/>
+              <a:sym typeface="+mn-ea"/>
+            </a:endParaRPr>
           </a:p>
           <a:p>
             <a:pPr lvl="1"/>
@@ -8924,14 +8970,8 @@
       </p:sp>
       <p:sp>
         <p:nvSpPr>
-          <p:cNvPr id="5" name="文本框 4">
-            <a:extLst>
-              <a:ext uri="{FF2B5EF4-FFF2-40B4-BE49-F238E27FC236}">
-                <a16:creationId xmlns:a16="http://schemas.microsoft.com/office/drawing/2014/main" id="{A3910DEC-5104-4691-ADD0-8EBC7AE461EB}"/>
-              </a:ext>
-            </a:extLst>
-          </p:cNvPr>
-          <p:cNvSpPr txBox="1"/>
+          <p:cNvPr id="5" name="文本框 4"/>
+          <p:cNvSpPr txBox="true"/>
           <p:nvPr/>
         </p:nvSpPr>
         <p:spPr>
@@ -8972,6 +9012,10 @@
               </a:rPr>
               <a:t>屏幕无接触手写笔</a:t>
             </a:r>
+            <a:endParaRPr lang="zh-CN" altLang="en-US" sz="2800" dirty="0">
+              <a:latin typeface="微软雅黑" panose="020B0503020204020204" pitchFamily="34" charset="-122"/>
+              <a:ea typeface="微软雅黑" panose="020B0503020204020204" pitchFamily="34" charset="-122"/>
+            </a:endParaRPr>
           </a:p>
         </p:txBody>
       </p:sp>
@@ -9002,40 +9046,9 @@
       </p:grpSpPr>
       <p:sp>
         <p:nvSpPr>
-          <p:cNvPr id="11266" name="Rectangle 2"/>
-          <p:cNvSpPr>
-            <a:spLocks noGrp="1" noChangeArrowheads="1"/>
-          </p:cNvSpPr>
-          <p:nvPr>
-            <p:ph type="title"/>
-          </p:nvPr>
-        </p:nvSpPr>
-        <p:spPr>
-          <a:xfrm>
-            <a:off x="839788" y="692150"/>
-            <a:ext cx="8121650" cy="647700"/>
-          </a:xfrm>
-        </p:spPr>
-        <p:txBody>
-          <a:bodyPr/>
-          <a:lstStyle/>
-          <a:p>
-            <a:pPr eaLnBrk="1" hangingPunct="1">
-              <a:defRPr/>
-            </a:pPr>
-            <a:r>
-              <a:rPr lang="en-US" altLang="zh-CN"/>
-              <a:t>Q&amp;A</a:t>
-            </a:r>
-            <a:endParaRPr lang="zh-CN" altLang="en-US"/>
-          </a:p>
-        </p:txBody>
-      </p:sp>
-      <p:sp>
-        <p:nvSpPr>
           <p:cNvPr id="11267" name="Rectangle 3"/>
           <p:cNvSpPr>
-            <a:spLocks noGrp="1" noChangeArrowheads="1"/>
+            <a:spLocks noGrp="true" noChangeArrowheads="true"/>
           </p:cNvSpPr>
           <p:nvPr>
             <p:ph type="body" idx="1"/>
@@ -9057,9 +9070,20 @@
               <a:defRPr/>
             </a:pPr>
             <a:r>
-              <a:rPr lang="zh-CN" altLang="en-US" sz="4800" dirty="0"/>
-              <a:t>谢 谢！</a:t>
-            </a:r>
+              <a:rPr lang="en-US" altLang="zh-CN" sz="4800">
+                <a:sym typeface="+mn-ea"/>
+              </a:rPr>
+              <a:t>Q&amp;A</a:t>
+            </a:r>
+            <a:endParaRPr lang="zh-CN" altLang="en-US" sz="4800"/>
+          </a:p>
+          <a:p>
+            <a:pPr marL="0" indent="0" algn="ctr" eaLnBrk="1" hangingPunct="1">
+              <a:buFont typeface="Wingdings" panose="05000000000000000000" pitchFamily="2" charset="2"/>
+              <a:buNone/>
+              <a:defRPr/>
+            </a:pPr>
+            <a:endParaRPr lang="zh-CN" altLang="en-US" sz="4800" dirty="0"/>
           </a:p>
         </p:txBody>
       </p:sp>
@@ -9067,7 +9091,7 @@
         <p:nvSpPr>
           <p:cNvPr id="4" name="灯片编号占位符 3"/>
           <p:cNvSpPr>
-            <a:spLocks noGrp="1"/>
+            <a:spLocks noGrp="true"/>
           </p:cNvSpPr>
           <p:nvPr>
             <p:ph type="sldNum" sz="quarter" idx="11"/>
@@ -9083,7 +9107,6 @@
             </a:pPr>
             <a:fld id="{4E838731-E2DB-4284-83ED-693138A841F5}" type="slidenum">
               <a:rPr lang="en-US" altLang="zh-CN" smtClean="0"/>
-              <a:t>4</a:t>
             </a:fld>
             <a:endParaRPr lang="en-US" altLang="zh-CN"/>
           </a:p>
@@ -9093,7 +9116,7 @@
         <p:nvSpPr>
           <p:cNvPr id="3" name="日期占位符 2"/>
           <p:cNvSpPr>
-            <a:spLocks noGrp="1"/>
+            <a:spLocks noGrp="true"/>
           </p:cNvSpPr>
           <p:nvPr>
             <p:ph type="dt" sz="half" idx="12"/>
@@ -9112,32 +9135,6 @@
               <a:t>华中科技大学</a:t>
             </a:r>
             <a:endParaRPr lang="en-US" altLang="zh-CN" dirty="0"/>
-          </a:p>
-        </p:txBody>
-      </p:sp>
-      <p:sp>
-        <p:nvSpPr>
-          <p:cNvPr id="2" name="页脚占位符 1"/>
-          <p:cNvSpPr>
-            <a:spLocks noGrp="1"/>
-          </p:cNvSpPr>
-          <p:nvPr>
-            <p:ph type="ftr" sz="quarter" idx="10"/>
-          </p:nvPr>
-        </p:nvSpPr>
-        <p:spPr/>
-        <p:txBody>
-          <a:bodyPr/>
-          <a:lstStyle/>
-          <a:p>
-            <a:pPr>
-              <a:defRPr/>
-            </a:pPr>
-            <a:r>
-              <a:rPr lang="zh-CN" altLang="en-US"/>
-              <a:t>项目进展汇报</a:t>
-            </a:r>
-            <a:endParaRPr lang="en-US" altLang="zh-CN"/>
           </a:p>
         </p:txBody>
       </p:sp>
@@ -9207,7 +9204,7 @@
         <a:solidFill>
           <a:schemeClr val="phClr"/>
         </a:solidFill>
-        <a:gradFill rotWithShape="1">
+        <a:gradFill rotWithShape="true">
           <a:gsLst>
             <a:gs pos="0">
               <a:schemeClr val="phClr">
@@ -9228,9 +9225,9 @@
               </a:schemeClr>
             </a:gs>
           </a:gsLst>
-          <a:lin ang="16200000" scaled="1"/>
+          <a:lin ang="16200000" scaled="true"/>
         </a:gradFill>
-        <a:gradFill rotWithShape="1">
+        <a:gradFill rotWithShape="true">
           <a:gsLst>
             <a:gs pos="0">
               <a:schemeClr val="phClr">
@@ -9251,7 +9248,7 @@
               </a:schemeClr>
             </a:gs>
           </a:gsLst>
-          <a:lin ang="16200000" scaled="0"/>
+          <a:lin ang="16200000" scaled="false"/>
         </a:gradFill>
       </a:fillStyleLst>
       <a:lnStyleLst>
@@ -9321,7 +9318,7 @@
         <a:solidFill>
           <a:schemeClr val="phClr"/>
         </a:solidFill>
-        <a:gradFill rotWithShape="1">
+        <a:gradFill rotWithShape="true">
           <a:gsLst>
             <a:gs pos="0">
               <a:schemeClr val="phClr">
@@ -9347,7 +9344,7 @@
             <a:fillToRect l="50000" t="-80000" r="50000" b="180000"/>
           </a:path>
         </a:gradFill>
-        <a:gradFill rotWithShape="1">
+        <a:gradFill rotWithShape="true">
           <a:gsLst>
             <a:gs pos="0">
               <a:schemeClr val="phClr">
@@ -9369,7 +9366,6 @@
       </a:bgFillStyleLst>
     </a:fmtScheme>
   </a:themeElements>
-  <a:objectDefaults/>
   <a:extraClrSchemeLst>
     <a:extraClrScheme>
       <a:clrScheme name="Pixel 1">
@@ -9988,7 +9984,7 @@
         <a:solidFill>
           <a:schemeClr val="phClr"/>
         </a:solidFill>
-        <a:gradFill rotWithShape="1">
+        <a:gradFill rotWithShape="true">
           <a:gsLst>
             <a:gs pos="0">
               <a:schemeClr val="phClr">
@@ -10009,9 +10005,9 @@
               </a:schemeClr>
             </a:gs>
           </a:gsLst>
-          <a:lin ang="16200000" scaled="1"/>
+          <a:lin ang="16200000" scaled="true"/>
         </a:gradFill>
-        <a:gradFill rotWithShape="1">
+        <a:gradFill rotWithShape="true">
           <a:gsLst>
             <a:gs pos="0">
               <a:schemeClr val="phClr">
@@ -10032,7 +10028,7 @@
               </a:schemeClr>
             </a:gs>
           </a:gsLst>
-          <a:lin ang="16200000" scaled="0"/>
+          <a:lin ang="16200000" scaled="false"/>
         </a:gradFill>
       </a:fillStyleLst>
       <a:lnStyleLst>
@@ -10102,7 +10098,7 @@
         <a:solidFill>
           <a:schemeClr val="phClr"/>
         </a:solidFill>
-        <a:gradFill rotWithShape="1">
+        <a:gradFill rotWithShape="true">
           <a:gsLst>
             <a:gs pos="0">
               <a:schemeClr val="phClr">
@@ -10128,7 +10124,7 @@
             <a:fillToRect l="50000" t="-80000" r="50000" b="180000"/>
           </a:path>
         </a:gradFill>
-        <a:gradFill rotWithShape="1">
+        <a:gradFill rotWithShape="true">
           <a:gsLst>
             <a:gs pos="0">
               <a:schemeClr val="phClr">
@@ -10150,8 +10146,6 @@
       </a:bgFillStyleLst>
     </a:fmtScheme>
   </a:themeElements>
-  <a:objectDefaults/>
-  <a:extraClrSchemeLst/>
   <a:extLst>
     <a:ext uri="{05A4C25C-085E-4340-85A3-A5531E510DB2}">
       <thm15:themeFamily xmlns:thm15="http://schemas.microsoft.com/office/thememl/2012/main" name="Office Theme" id="{62F939B6-93AF-4DB8-9C6B-D6C7DFDC589F}" vid="{4A3C46E8-61CC-4603-A589-7422A47A8E4A}"/>
@@ -10278,7 +10272,7 @@
         <a:solidFill>
           <a:schemeClr val="phClr"/>
         </a:solidFill>
-        <a:gradFill rotWithShape="1">
+        <a:gradFill rotWithShape="true">
           <a:gsLst>
             <a:gs pos="0">
               <a:schemeClr val="phClr">
@@ -10302,9 +10296,9 @@
               </a:schemeClr>
             </a:gs>
           </a:gsLst>
-          <a:lin ang="5400000" scaled="0"/>
+          <a:lin ang="5400000" scaled="false"/>
         </a:gradFill>
-        <a:gradFill rotWithShape="1">
+        <a:gradFill rotWithShape="true">
           <a:gsLst>
             <a:gs pos="0">
               <a:schemeClr val="phClr">
@@ -10328,7 +10322,7 @@
               </a:schemeClr>
             </a:gs>
           </a:gsLst>
-          <a:lin ang="5400000" scaled="0"/>
+          <a:lin ang="5400000" scaled="false"/>
         </a:gradFill>
       </a:fillStyleLst>
       <a:lnStyleLst>
@@ -10381,7 +10375,7 @@
             <a:satMod val="170000"/>
           </a:schemeClr>
         </a:solidFill>
-        <a:gradFill rotWithShape="1">
+        <a:gradFill rotWithShape="true">
           <a:gsLst>
             <a:gs pos="0">
               <a:schemeClr val="phClr">
@@ -10406,13 +10400,11 @@
               </a:schemeClr>
             </a:gs>
           </a:gsLst>
-          <a:lin ang="5400000" scaled="0"/>
+          <a:lin ang="5400000" scaled="false"/>
         </a:gradFill>
       </a:bgFillStyleLst>
     </a:fmtScheme>
   </a:themeElements>
-  <a:objectDefaults/>
-  <a:extraClrSchemeLst/>
   <a:extLst>
     <a:ext uri="{05A4C25C-085E-4340-85A3-A5531E510DB2}">
       <thm15:themeFamily xmlns:thm15="http://schemas.microsoft.com/office/thememl/2012/main" name="Office Theme" id="{62F939B6-93AF-4DB8-9C6B-D6C7DFDC589F}" vid="{4A3C46E8-61CC-4603-A589-7422A47A8E4A}"/>
